--- a/images/processv4.pptx
+++ b/images/processv4.pptx
@@ -10,6 +10,8 @@
     <p:sldId id="258" r:id="rId4"/>
     <p:sldId id="259" r:id="rId5"/>
     <p:sldId id="260" r:id="rId6"/>
+    <p:sldId id="261" r:id="rId7"/>
+    <p:sldId id="262" r:id="rId8"/>
   </p:sldIdLst>
   <p:sldSz cx="12192000" cy="6858000"/>
   <p:notesSz cx="6858000" cy="9144000"/>
@@ -16942,6 +16944,4954 @@
 </p:sld>
 </file>
 
+<file path=ppt/slides/slide6.xml><?xml version="1.0" encoding="utf-8"?>
+<p:sld xmlns:a="http://schemas.openxmlformats.org/drawingml/2006/main" xmlns:r="http://schemas.openxmlformats.org/officeDocument/2006/relationships" xmlns:p="http://schemas.openxmlformats.org/presentationml/2006/main">
+  <p:cSld>
+    <p:spTree>
+      <p:nvGrpSpPr>
+        <p:cNvPr id="1" name=""/>
+        <p:cNvGrpSpPr/>
+        <p:nvPr/>
+      </p:nvGrpSpPr>
+      <p:grpSpPr>
+        <a:xfrm>
+          <a:off x="0" y="0"/>
+          <a:ext cx="0" cy="0"/>
+          <a:chOff x="0" y="0"/>
+          <a:chExt cx="0" cy="0"/>
+        </a:xfrm>
+      </p:grpSpPr>
+      <p:sp>
+        <p:nvSpPr>
+          <p:cNvPr id="49" name="Parallelogram 48">
+            <a:extLst>
+              <a:ext uri="{FF2B5EF4-FFF2-40B4-BE49-F238E27FC236}">
+                <a16:creationId xmlns:a16="http://schemas.microsoft.com/office/drawing/2014/main" id="{EE5118FC-AA45-AACB-4803-C6D067BFE725}"/>
+              </a:ext>
+            </a:extLst>
+          </p:cNvPr>
+          <p:cNvSpPr/>
+          <p:nvPr/>
+        </p:nvSpPr>
+        <p:spPr>
+          <a:xfrm>
+            <a:off x="7882631" y="1614409"/>
+            <a:ext cx="441334" cy="300176"/>
+          </a:xfrm>
+          <a:prstGeom prst="parallelogram">
+            <a:avLst/>
+          </a:prstGeom>
+          <a:solidFill>
+            <a:srgbClr val="C5D6DD"/>
+          </a:solidFill>
+          <a:ln w="28575">
+            <a:solidFill>
+              <a:srgbClr val="5F8FA3"/>
+            </a:solidFill>
+          </a:ln>
+        </p:spPr>
+        <p:style>
+          <a:lnRef idx="2">
+            <a:schemeClr val="accent1">
+              <a:shade val="50000"/>
+            </a:schemeClr>
+          </a:lnRef>
+          <a:fillRef idx="1">
+            <a:schemeClr val="accent1"/>
+          </a:fillRef>
+          <a:effectRef idx="0">
+            <a:schemeClr val="accent1"/>
+          </a:effectRef>
+          <a:fontRef idx="minor">
+            <a:schemeClr val="lt1"/>
+          </a:fontRef>
+        </p:style>
+        <p:txBody>
+          <a:bodyPr rtlCol="0" anchor="ctr"/>
+          <a:lstStyle/>
+          <a:p>
+            <a:pPr algn="ctr"/>
+            <a:endParaRPr lang="en-US"/>
+          </a:p>
+        </p:txBody>
+      </p:sp>
+      <p:sp>
+        <p:nvSpPr>
+          <p:cNvPr id="2" name="Rechthoek: afgeronde hoeken 1">
+            <a:extLst>
+              <a:ext uri="{FF2B5EF4-FFF2-40B4-BE49-F238E27FC236}">
+                <a16:creationId xmlns:a16="http://schemas.microsoft.com/office/drawing/2014/main" id="{5B103D35-8763-3DBF-3291-E16BF328CAC7}"/>
+              </a:ext>
+            </a:extLst>
+          </p:cNvPr>
+          <p:cNvSpPr/>
+          <p:nvPr/>
+        </p:nvSpPr>
+        <p:spPr>
+          <a:xfrm>
+            <a:off x="1773730" y="1275549"/>
+            <a:ext cx="722299" cy="729984"/>
+          </a:xfrm>
+          <a:prstGeom prst="roundRect">
+            <a:avLst/>
+          </a:prstGeom>
+          <a:noFill/>
+          <a:ln>
+            <a:solidFill>
+              <a:schemeClr val="bg1">
+                <a:lumMod val="50000"/>
+              </a:schemeClr>
+            </a:solidFill>
+          </a:ln>
+        </p:spPr>
+        <p:style>
+          <a:lnRef idx="2">
+            <a:schemeClr val="accent1">
+              <a:shade val="50000"/>
+            </a:schemeClr>
+          </a:lnRef>
+          <a:fillRef idx="1">
+            <a:schemeClr val="accent1"/>
+          </a:fillRef>
+          <a:effectRef idx="0">
+            <a:schemeClr val="accent1"/>
+          </a:effectRef>
+          <a:fontRef idx="minor">
+            <a:schemeClr val="lt1"/>
+          </a:fontRef>
+        </p:style>
+        <p:txBody>
+          <a:bodyPr rtlCol="0" anchor="ctr"/>
+          <a:lstStyle/>
+          <a:p>
+            <a:pPr algn="ctr"/>
+            <a:endParaRPr lang="en-US"/>
+          </a:p>
+        </p:txBody>
+      </p:sp>
+      <p:sp>
+        <p:nvSpPr>
+          <p:cNvPr id="5" name="Tekstvak 7">
+            <a:extLst>
+              <a:ext uri="{FF2B5EF4-FFF2-40B4-BE49-F238E27FC236}">
+                <a16:creationId xmlns:a16="http://schemas.microsoft.com/office/drawing/2014/main" id="{A817AC04-680B-F3B9-AA2D-6BE6442422DB}"/>
+              </a:ext>
+            </a:extLst>
+          </p:cNvPr>
+          <p:cNvSpPr txBox="1"/>
+          <p:nvPr/>
+        </p:nvSpPr>
+        <p:spPr>
+          <a:xfrm>
+            <a:off x="1326772" y="2005533"/>
+            <a:ext cx="1723549" cy="261610"/>
+          </a:xfrm>
+          <a:prstGeom prst="rect">
+            <a:avLst/>
+          </a:prstGeom>
+          <a:noFill/>
+        </p:spPr>
+        <p:txBody>
+          <a:bodyPr wrap="none" rtlCol="0">
+            <a:spAutoFit/>
+          </a:bodyPr>
+          <a:lstStyle/>
+          <a:p>
+            <a:r>
+              <a:rPr lang="en-US" sz="1100" dirty="0" err="1">
+                <a:latin typeface="Consolas" panose="020B0609020204030204" pitchFamily="49" charset="0"/>
+              </a:rPr>
+              <a:t>sketchRectangle</a:t>
+            </a:r>
+            <a:r>
+              <a:rPr lang="en-US" sz="1100" dirty="0">
+                <a:latin typeface="Consolas" panose="020B0609020204030204" pitchFamily="49" charset="0"/>
+              </a:rPr>
+              <a:t>(</a:t>
+            </a:r>
+            <a:r>
+              <a:rPr lang="en-US" sz="1100" dirty="0" err="1">
+                <a:latin typeface="Consolas" panose="020B0609020204030204" pitchFamily="49" charset="0"/>
+              </a:rPr>
+              <a:t>l,w</a:t>
+            </a:r>
+            <a:r>
+              <a:rPr lang="en-US" sz="1100" dirty="0">
+                <a:latin typeface="Consolas" panose="020B0609020204030204" pitchFamily="49" charset="0"/>
+              </a:rPr>
+              <a:t>)</a:t>
+            </a:r>
+            <a:endParaRPr lang="en-US" dirty="0">
+              <a:latin typeface="Consolas" panose="020B0609020204030204" pitchFamily="49" charset="0"/>
+            </a:endParaRPr>
+          </a:p>
+        </p:txBody>
+      </p:sp>
+      <p:sp>
+        <p:nvSpPr>
+          <p:cNvPr id="12" name="Rectangle 11">
+            <a:extLst>
+              <a:ext uri="{FF2B5EF4-FFF2-40B4-BE49-F238E27FC236}">
+                <a16:creationId xmlns:a16="http://schemas.microsoft.com/office/drawing/2014/main" id="{9B275057-D69D-DA8B-F945-1B2626D18D84}"/>
+              </a:ext>
+            </a:extLst>
+          </p:cNvPr>
+          <p:cNvSpPr/>
+          <p:nvPr/>
+        </p:nvSpPr>
+        <p:spPr>
+          <a:xfrm>
+            <a:off x="1889134" y="1477664"/>
+            <a:ext cx="491490" cy="325755"/>
+          </a:xfrm>
+          <a:prstGeom prst="rect">
+            <a:avLst/>
+          </a:prstGeom>
+          <a:noFill/>
+          <a:ln w="28575">
+            <a:solidFill>
+              <a:srgbClr val="5F8FA3"/>
+            </a:solidFill>
+          </a:ln>
+        </p:spPr>
+        <p:style>
+          <a:lnRef idx="2">
+            <a:schemeClr val="accent1">
+              <a:shade val="50000"/>
+            </a:schemeClr>
+          </a:lnRef>
+          <a:fillRef idx="1">
+            <a:schemeClr val="accent1"/>
+          </a:fillRef>
+          <a:effectRef idx="0">
+            <a:schemeClr val="accent1"/>
+          </a:effectRef>
+          <a:fontRef idx="minor">
+            <a:schemeClr val="lt1"/>
+          </a:fontRef>
+        </p:style>
+        <p:txBody>
+          <a:bodyPr rtlCol="0" anchor="ctr"/>
+          <a:lstStyle/>
+          <a:p>
+            <a:pPr algn="ctr"/>
+            <a:endParaRPr lang="en-US"/>
+          </a:p>
+        </p:txBody>
+      </p:sp>
+      <p:sp>
+        <p:nvSpPr>
+          <p:cNvPr id="13" name="Rechthoek: afgeronde hoeken 1">
+            <a:extLst>
+              <a:ext uri="{FF2B5EF4-FFF2-40B4-BE49-F238E27FC236}">
+                <a16:creationId xmlns:a16="http://schemas.microsoft.com/office/drawing/2014/main" id="{63F1B4D0-F7A2-7823-122C-3615BBE26978}"/>
+              </a:ext>
+            </a:extLst>
+          </p:cNvPr>
+          <p:cNvSpPr/>
+          <p:nvPr/>
+        </p:nvSpPr>
+        <p:spPr>
+          <a:xfrm>
+            <a:off x="5832657" y="1291194"/>
+            <a:ext cx="722299" cy="729984"/>
+          </a:xfrm>
+          <a:prstGeom prst="roundRect">
+            <a:avLst/>
+          </a:prstGeom>
+          <a:noFill/>
+          <a:ln>
+            <a:solidFill>
+              <a:schemeClr val="bg1">
+                <a:lumMod val="50000"/>
+              </a:schemeClr>
+            </a:solidFill>
+          </a:ln>
+        </p:spPr>
+        <p:style>
+          <a:lnRef idx="2">
+            <a:schemeClr val="accent1">
+              <a:shade val="50000"/>
+            </a:schemeClr>
+          </a:lnRef>
+          <a:fillRef idx="1">
+            <a:schemeClr val="accent1"/>
+          </a:fillRef>
+          <a:effectRef idx="0">
+            <a:schemeClr val="accent1"/>
+          </a:effectRef>
+          <a:fontRef idx="minor">
+            <a:schemeClr val="lt1"/>
+          </a:fontRef>
+        </p:style>
+        <p:txBody>
+          <a:bodyPr rtlCol="0" anchor="ctr"/>
+          <a:lstStyle/>
+          <a:p>
+            <a:pPr algn="ctr"/>
+            <a:endParaRPr lang="en-US"/>
+          </a:p>
+        </p:txBody>
+      </p:sp>
+      <p:sp>
+        <p:nvSpPr>
+          <p:cNvPr id="14" name="Tekstvak 7">
+            <a:extLst>
+              <a:ext uri="{FF2B5EF4-FFF2-40B4-BE49-F238E27FC236}">
+                <a16:creationId xmlns:a16="http://schemas.microsoft.com/office/drawing/2014/main" id="{D39C2E6D-3019-6189-F12A-C33D1BB939AD}"/>
+              </a:ext>
+            </a:extLst>
+          </p:cNvPr>
+          <p:cNvSpPr txBox="1"/>
+          <p:nvPr/>
+        </p:nvSpPr>
+        <p:spPr>
+          <a:xfrm>
+            <a:off x="5524392" y="2030700"/>
+            <a:ext cx="1338828" cy="261610"/>
+          </a:xfrm>
+          <a:prstGeom prst="rect">
+            <a:avLst/>
+          </a:prstGeom>
+          <a:noFill/>
+        </p:spPr>
+        <p:txBody>
+          <a:bodyPr wrap="none" rtlCol="0">
+            <a:spAutoFit/>
+          </a:bodyPr>
+          <a:lstStyle/>
+          <a:p>
+            <a:r>
+              <a:rPr lang="en-US" sz="1100" dirty="0" err="1">
+                <a:latin typeface="Consolas" panose="020B0609020204030204" pitchFamily="49" charset="0"/>
+              </a:rPr>
+              <a:t>sketchCircle</a:t>
+            </a:r>
+            <a:r>
+              <a:rPr lang="en-US" sz="1100" dirty="0">
+                <a:latin typeface="Consolas" panose="020B0609020204030204" pitchFamily="49" charset="0"/>
+              </a:rPr>
+              <a:t>(r)</a:t>
+            </a:r>
+            <a:endParaRPr lang="en-US" dirty="0">
+              <a:latin typeface="Consolas" panose="020B0609020204030204" pitchFamily="49" charset="0"/>
+            </a:endParaRPr>
+          </a:p>
+        </p:txBody>
+      </p:sp>
+      <p:sp>
+        <p:nvSpPr>
+          <p:cNvPr id="16" name="Oval 15">
+            <a:extLst>
+              <a:ext uri="{FF2B5EF4-FFF2-40B4-BE49-F238E27FC236}">
+                <a16:creationId xmlns:a16="http://schemas.microsoft.com/office/drawing/2014/main" id="{72AC24B9-EA46-E89E-3650-1296C1AD2106}"/>
+              </a:ext>
+            </a:extLst>
+          </p:cNvPr>
+          <p:cNvSpPr/>
+          <p:nvPr/>
+        </p:nvSpPr>
+        <p:spPr>
+          <a:xfrm>
+            <a:off x="5998693" y="1493309"/>
+            <a:ext cx="382905" cy="373996"/>
+          </a:xfrm>
+          <a:prstGeom prst="ellipse">
+            <a:avLst/>
+          </a:prstGeom>
+          <a:noFill/>
+          <a:ln w="28575">
+            <a:solidFill>
+              <a:srgbClr val="5F8FA3"/>
+            </a:solidFill>
+          </a:ln>
+        </p:spPr>
+        <p:style>
+          <a:lnRef idx="2">
+            <a:schemeClr val="accent1">
+              <a:shade val="50000"/>
+            </a:schemeClr>
+          </a:lnRef>
+          <a:fillRef idx="1">
+            <a:schemeClr val="accent1"/>
+          </a:fillRef>
+          <a:effectRef idx="0">
+            <a:schemeClr val="accent1"/>
+          </a:effectRef>
+          <a:fontRef idx="minor">
+            <a:schemeClr val="lt1"/>
+          </a:fontRef>
+        </p:style>
+        <p:txBody>
+          <a:bodyPr rtlCol="0" anchor="ctr"/>
+          <a:lstStyle/>
+          <a:p>
+            <a:pPr algn="ctr"/>
+            <a:endParaRPr lang="en-US"/>
+          </a:p>
+        </p:txBody>
+      </p:sp>
+      <p:cxnSp>
+        <p:nvCxnSpPr>
+          <p:cNvPr id="17" name="Rechte verbindingslijn met pijl 105">
+            <a:extLst>
+              <a:ext uri="{FF2B5EF4-FFF2-40B4-BE49-F238E27FC236}">
+                <a16:creationId xmlns:a16="http://schemas.microsoft.com/office/drawing/2014/main" id="{6771D43F-B00B-7905-FA2D-903B8DDB9231}"/>
+              </a:ext>
+            </a:extLst>
+          </p:cNvPr>
+          <p:cNvCxnSpPr>
+            <a:cxnSpLocks/>
+            <a:endCxn id="12" idx="3"/>
+          </p:cNvCxnSpPr>
+          <p:nvPr/>
+        </p:nvCxnSpPr>
+        <p:spPr>
+          <a:xfrm flipV="1">
+            <a:off x="1820322" y="1640542"/>
+            <a:ext cx="560302" cy="1897"/>
+          </a:xfrm>
+          <a:prstGeom prst="straightConnector1">
+            <a:avLst/>
+          </a:prstGeom>
+          <a:ln>
+            <a:solidFill>
+              <a:srgbClr val="5F8FA3"/>
+            </a:solidFill>
+            <a:prstDash val="lgDash"/>
+            <a:headEnd type="none" w="med" len="med"/>
+            <a:tailEnd type="none" w="med" len="med"/>
+          </a:ln>
+        </p:spPr>
+        <p:style>
+          <a:lnRef idx="1">
+            <a:schemeClr val="accent1"/>
+          </a:lnRef>
+          <a:fillRef idx="0">
+            <a:schemeClr val="accent1"/>
+          </a:fillRef>
+          <a:effectRef idx="0">
+            <a:schemeClr val="accent1"/>
+          </a:effectRef>
+          <a:fontRef idx="minor">
+            <a:schemeClr val="tx1"/>
+          </a:fontRef>
+        </p:style>
+      </p:cxnSp>
+      <p:cxnSp>
+        <p:nvCxnSpPr>
+          <p:cNvPr id="18" name="Rechte verbindingslijn met pijl 105">
+            <a:extLst>
+              <a:ext uri="{FF2B5EF4-FFF2-40B4-BE49-F238E27FC236}">
+                <a16:creationId xmlns:a16="http://schemas.microsoft.com/office/drawing/2014/main" id="{956626B1-BEAC-9201-672A-BB0A99FAEAE5}"/>
+              </a:ext>
+            </a:extLst>
+          </p:cNvPr>
+          <p:cNvCxnSpPr>
+            <a:cxnSpLocks/>
+          </p:cNvCxnSpPr>
+          <p:nvPr/>
+        </p:nvCxnSpPr>
+        <p:spPr>
+          <a:xfrm>
+            <a:off x="2126012" y="1377315"/>
+            <a:ext cx="0" cy="525780"/>
+          </a:xfrm>
+          <a:prstGeom prst="straightConnector1">
+            <a:avLst/>
+          </a:prstGeom>
+          <a:ln>
+            <a:solidFill>
+              <a:srgbClr val="5F8FA3"/>
+            </a:solidFill>
+            <a:prstDash val="lgDash"/>
+            <a:headEnd type="none" w="med" len="med"/>
+            <a:tailEnd type="none" w="med" len="med"/>
+          </a:ln>
+        </p:spPr>
+        <p:style>
+          <a:lnRef idx="1">
+            <a:schemeClr val="accent1"/>
+          </a:lnRef>
+          <a:fillRef idx="0">
+            <a:schemeClr val="accent1"/>
+          </a:fillRef>
+          <a:effectRef idx="0">
+            <a:schemeClr val="accent1"/>
+          </a:effectRef>
+          <a:fontRef idx="minor">
+            <a:schemeClr val="tx1"/>
+          </a:fontRef>
+        </p:style>
+      </p:cxnSp>
+      <p:cxnSp>
+        <p:nvCxnSpPr>
+          <p:cNvPr id="22" name="Rechte verbindingslijn met pijl 105">
+            <a:extLst>
+              <a:ext uri="{FF2B5EF4-FFF2-40B4-BE49-F238E27FC236}">
+                <a16:creationId xmlns:a16="http://schemas.microsoft.com/office/drawing/2014/main" id="{F8377162-260E-485C-CE7F-E86E95AAF541}"/>
+              </a:ext>
+            </a:extLst>
+          </p:cNvPr>
+          <p:cNvCxnSpPr>
+            <a:cxnSpLocks/>
+          </p:cNvCxnSpPr>
+          <p:nvPr/>
+        </p:nvCxnSpPr>
+        <p:spPr>
+          <a:xfrm flipV="1">
+            <a:off x="5879725" y="1680740"/>
+            <a:ext cx="560302" cy="1897"/>
+          </a:xfrm>
+          <a:prstGeom prst="straightConnector1">
+            <a:avLst/>
+          </a:prstGeom>
+          <a:ln>
+            <a:solidFill>
+              <a:srgbClr val="5F8FA3"/>
+            </a:solidFill>
+            <a:prstDash val="lgDash"/>
+            <a:headEnd type="none" w="med" len="med"/>
+            <a:tailEnd type="none" w="med" len="med"/>
+          </a:ln>
+        </p:spPr>
+        <p:style>
+          <a:lnRef idx="1">
+            <a:schemeClr val="accent1"/>
+          </a:lnRef>
+          <a:fillRef idx="0">
+            <a:schemeClr val="accent1"/>
+          </a:fillRef>
+          <a:effectRef idx="0">
+            <a:schemeClr val="accent1"/>
+          </a:effectRef>
+          <a:fontRef idx="minor">
+            <a:schemeClr val="tx1"/>
+          </a:fontRef>
+        </p:style>
+      </p:cxnSp>
+      <p:cxnSp>
+        <p:nvCxnSpPr>
+          <p:cNvPr id="23" name="Rechte verbindingslijn met pijl 105">
+            <a:extLst>
+              <a:ext uri="{FF2B5EF4-FFF2-40B4-BE49-F238E27FC236}">
+                <a16:creationId xmlns:a16="http://schemas.microsoft.com/office/drawing/2014/main" id="{BC2CF292-5D7D-6CC6-A233-257B5708AEBE}"/>
+              </a:ext>
+            </a:extLst>
+          </p:cNvPr>
+          <p:cNvCxnSpPr>
+            <a:cxnSpLocks/>
+          </p:cNvCxnSpPr>
+          <p:nvPr/>
+        </p:nvCxnSpPr>
+        <p:spPr>
+          <a:xfrm>
+            <a:off x="6185415" y="1417513"/>
+            <a:ext cx="0" cy="525780"/>
+          </a:xfrm>
+          <a:prstGeom prst="straightConnector1">
+            <a:avLst/>
+          </a:prstGeom>
+          <a:ln>
+            <a:solidFill>
+              <a:srgbClr val="5F8FA3"/>
+            </a:solidFill>
+            <a:prstDash val="lgDash"/>
+            <a:headEnd type="none" w="med" len="med"/>
+            <a:tailEnd type="none" w="med" len="med"/>
+          </a:ln>
+        </p:spPr>
+        <p:style>
+          <a:lnRef idx="1">
+            <a:schemeClr val="accent1"/>
+          </a:lnRef>
+          <a:fillRef idx="0">
+            <a:schemeClr val="accent1"/>
+          </a:fillRef>
+          <a:effectRef idx="0">
+            <a:schemeClr val="accent1"/>
+          </a:effectRef>
+          <a:fontRef idx="minor">
+            <a:schemeClr val="tx1"/>
+          </a:fontRef>
+        </p:style>
+      </p:cxnSp>
+      <p:sp>
+        <p:nvSpPr>
+          <p:cNvPr id="24" name="Rechthoek: afgeronde hoeken 1">
+            <a:extLst>
+              <a:ext uri="{FF2B5EF4-FFF2-40B4-BE49-F238E27FC236}">
+                <a16:creationId xmlns:a16="http://schemas.microsoft.com/office/drawing/2014/main" id="{65A1067F-B9AC-8854-17DA-561DEB4F016A}"/>
+              </a:ext>
+            </a:extLst>
+          </p:cNvPr>
+          <p:cNvSpPr/>
+          <p:nvPr/>
+        </p:nvSpPr>
+        <p:spPr>
+          <a:xfrm>
+            <a:off x="3728323" y="1291194"/>
+            <a:ext cx="722299" cy="729984"/>
+          </a:xfrm>
+          <a:prstGeom prst="roundRect">
+            <a:avLst/>
+          </a:prstGeom>
+          <a:noFill/>
+          <a:ln>
+            <a:solidFill>
+              <a:schemeClr val="bg1">
+                <a:lumMod val="50000"/>
+              </a:schemeClr>
+            </a:solidFill>
+          </a:ln>
+        </p:spPr>
+        <p:style>
+          <a:lnRef idx="2">
+            <a:schemeClr val="accent1">
+              <a:shade val="50000"/>
+            </a:schemeClr>
+          </a:lnRef>
+          <a:fillRef idx="1">
+            <a:schemeClr val="accent1"/>
+          </a:fillRef>
+          <a:effectRef idx="0">
+            <a:schemeClr val="accent1"/>
+          </a:effectRef>
+          <a:fontRef idx="minor">
+            <a:schemeClr val="lt1"/>
+          </a:fontRef>
+        </p:style>
+        <p:txBody>
+          <a:bodyPr rtlCol="0" anchor="ctr"/>
+          <a:lstStyle/>
+          <a:p>
+            <a:pPr algn="ctr"/>
+            <a:endParaRPr lang="en-US"/>
+          </a:p>
+        </p:txBody>
+      </p:sp>
+      <p:sp>
+        <p:nvSpPr>
+          <p:cNvPr id="25" name="Tekstvak 7">
+            <a:extLst>
+              <a:ext uri="{FF2B5EF4-FFF2-40B4-BE49-F238E27FC236}">
+                <a16:creationId xmlns:a16="http://schemas.microsoft.com/office/drawing/2014/main" id="{1766A869-C24E-2708-FEFB-C9E603944318}"/>
+              </a:ext>
+            </a:extLst>
+          </p:cNvPr>
+          <p:cNvSpPr txBox="1"/>
+          <p:nvPr/>
+        </p:nvSpPr>
+        <p:spPr>
+          <a:xfrm>
+            <a:off x="3012061" y="2026893"/>
+            <a:ext cx="2416046" cy="261610"/>
+          </a:xfrm>
+          <a:prstGeom prst="rect">
+            <a:avLst/>
+          </a:prstGeom>
+          <a:noFill/>
+        </p:spPr>
+        <p:txBody>
+          <a:bodyPr wrap="none" rtlCol="0">
+            <a:spAutoFit/>
+          </a:bodyPr>
+          <a:lstStyle/>
+          <a:p>
+            <a:r>
+              <a:rPr lang="en-US" sz="1100" dirty="0" err="1">
+                <a:latin typeface="Consolas" panose="020B0609020204030204" pitchFamily="49" charset="0"/>
+              </a:rPr>
+              <a:t>sketchRoundedRectangle</a:t>
+            </a:r>
+            <a:r>
+              <a:rPr lang="en-US" sz="1100" dirty="0">
+                <a:latin typeface="Consolas" panose="020B0609020204030204" pitchFamily="49" charset="0"/>
+              </a:rPr>
+              <a:t>(</a:t>
+            </a:r>
+            <a:r>
+              <a:rPr lang="en-US" sz="1100" dirty="0" err="1">
+                <a:latin typeface="Consolas" panose="020B0609020204030204" pitchFamily="49" charset="0"/>
+              </a:rPr>
+              <a:t>l,w,r</a:t>
+            </a:r>
+            <a:r>
+              <a:rPr lang="en-US" sz="1100" dirty="0">
+                <a:latin typeface="Consolas" panose="020B0609020204030204" pitchFamily="49" charset="0"/>
+              </a:rPr>
+              <a:t>)</a:t>
+            </a:r>
+            <a:endParaRPr lang="en-US" dirty="0">
+              <a:latin typeface="Consolas" panose="020B0609020204030204" pitchFamily="49" charset="0"/>
+            </a:endParaRPr>
+          </a:p>
+        </p:txBody>
+      </p:sp>
+      <p:cxnSp>
+        <p:nvCxnSpPr>
+          <p:cNvPr id="27" name="Rechte verbindingslijn met pijl 105">
+            <a:extLst>
+              <a:ext uri="{FF2B5EF4-FFF2-40B4-BE49-F238E27FC236}">
+                <a16:creationId xmlns:a16="http://schemas.microsoft.com/office/drawing/2014/main" id="{E6B905BC-89D7-C457-45CB-1AE16AF935CB}"/>
+              </a:ext>
+            </a:extLst>
+          </p:cNvPr>
+          <p:cNvCxnSpPr>
+            <a:cxnSpLocks/>
+          </p:cNvCxnSpPr>
+          <p:nvPr/>
+        </p:nvCxnSpPr>
+        <p:spPr>
+          <a:xfrm flipV="1">
+            <a:off x="3774915" y="1656187"/>
+            <a:ext cx="560302" cy="1897"/>
+          </a:xfrm>
+          <a:prstGeom prst="straightConnector1">
+            <a:avLst/>
+          </a:prstGeom>
+          <a:ln>
+            <a:solidFill>
+              <a:srgbClr val="5F8FA3"/>
+            </a:solidFill>
+            <a:prstDash val="lgDash"/>
+            <a:headEnd type="none" w="med" len="med"/>
+            <a:tailEnd type="none" w="med" len="med"/>
+          </a:ln>
+        </p:spPr>
+        <p:style>
+          <a:lnRef idx="1">
+            <a:schemeClr val="accent1"/>
+          </a:lnRef>
+          <a:fillRef idx="0">
+            <a:schemeClr val="accent1"/>
+          </a:fillRef>
+          <a:effectRef idx="0">
+            <a:schemeClr val="accent1"/>
+          </a:effectRef>
+          <a:fontRef idx="minor">
+            <a:schemeClr val="tx1"/>
+          </a:fontRef>
+        </p:style>
+      </p:cxnSp>
+      <p:cxnSp>
+        <p:nvCxnSpPr>
+          <p:cNvPr id="28" name="Rechte verbindingslijn met pijl 105">
+            <a:extLst>
+              <a:ext uri="{FF2B5EF4-FFF2-40B4-BE49-F238E27FC236}">
+                <a16:creationId xmlns:a16="http://schemas.microsoft.com/office/drawing/2014/main" id="{501A1F44-6AA5-551C-726E-A182D449F4EF}"/>
+              </a:ext>
+            </a:extLst>
+          </p:cNvPr>
+          <p:cNvCxnSpPr>
+            <a:cxnSpLocks/>
+          </p:cNvCxnSpPr>
+          <p:nvPr/>
+        </p:nvCxnSpPr>
+        <p:spPr>
+          <a:xfrm>
+            <a:off x="4080605" y="1392960"/>
+            <a:ext cx="0" cy="525780"/>
+          </a:xfrm>
+          <a:prstGeom prst="straightConnector1">
+            <a:avLst/>
+          </a:prstGeom>
+          <a:ln>
+            <a:solidFill>
+              <a:srgbClr val="5F8FA3"/>
+            </a:solidFill>
+            <a:prstDash val="lgDash"/>
+            <a:headEnd type="none" w="med" len="med"/>
+            <a:tailEnd type="none" w="med" len="med"/>
+          </a:ln>
+        </p:spPr>
+        <p:style>
+          <a:lnRef idx="1">
+            <a:schemeClr val="accent1"/>
+          </a:lnRef>
+          <a:fillRef idx="0">
+            <a:schemeClr val="accent1"/>
+          </a:fillRef>
+          <a:effectRef idx="0">
+            <a:schemeClr val="accent1"/>
+          </a:effectRef>
+          <a:fontRef idx="minor">
+            <a:schemeClr val="tx1"/>
+          </a:fontRef>
+        </p:style>
+      </p:cxnSp>
+      <p:sp>
+        <p:nvSpPr>
+          <p:cNvPr id="29" name="Rounded Rectangle 28">
+            <a:extLst>
+              <a:ext uri="{FF2B5EF4-FFF2-40B4-BE49-F238E27FC236}">
+                <a16:creationId xmlns:a16="http://schemas.microsoft.com/office/drawing/2014/main" id="{1454D0B4-0C14-A13F-159B-1846F0A812A5}"/>
+              </a:ext>
+            </a:extLst>
+          </p:cNvPr>
+          <p:cNvSpPr/>
+          <p:nvPr/>
+        </p:nvSpPr>
+        <p:spPr>
+          <a:xfrm>
+            <a:off x="3846195" y="1481399"/>
+            <a:ext cx="489022" cy="385906"/>
+          </a:xfrm>
+          <a:prstGeom prst="roundRect">
+            <a:avLst>
+              <a:gd name="adj" fmla="val 37400"/>
+            </a:avLst>
+          </a:prstGeom>
+          <a:noFill/>
+          <a:ln w="28575">
+            <a:solidFill>
+              <a:srgbClr val="5F8FA3"/>
+            </a:solidFill>
+          </a:ln>
+        </p:spPr>
+        <p:style>
+          <a:lnRef idx="2">
+            <a:schemeClr val="accent1">
+              <a:shade val="50000"/>
+            </a:schemeClr>
+          </a:lnRef>
+          <a:fillRef idx="1">
+            <a:schemeClr val="accent1"/>
+          </a:fillRef>
+          <a:effectRef idx="0">
+            <a:schemeClr val="accent1"/>
+          </a:effectRef>
+          <a:fontRef idx="minor">
+            <a:schemeClr val="lt1"/>
+          </a:fontRef>
+        </p:style>
+        <p:txBody>
+          <a:bodyPr rtlCol="0" anchor="ctr"/>
+          <a:lstStyle/>
+          <a:p>
+            <a:pPr algn="ctr"/>
+            <a:endParaRPr lang="en-US"/>
+          </a:p>
+        </p:txBody>
+      </p:sp>
+      <p:cxnSp>
+        <p:nvCxnSpPr>
+          <p:cNvPr id="30" name="Rechte verbindingslijn met pijl 9">
+            <a:extLst>
+              <a:ext uri="{FF2B5EF4-FFF2-40B4-BE49-F238E27FC236}">
+                <a16:creationId xmlns:a16="http://schemas.microsoft.com/office/drawing/2014/main" id="{FCECB725-4535-1043-7DEF-56EDA35445B9}"/>
+              </a:ext>
+            </a:extLst>
+          </p:cNvPr>
+          <p:cNvCxnSpPr>
+            <a:cxnSpLocks/>
+            <a:endCxn id="16" idx="7"/>
+          </p:cNvCxnSpPr>
+          <p:nvPr/>
+        </p:nvCxnSpPr>
+        <p:spPr>
+          <a:xfrm flipV="1">
+            <a:off x="6185415" y="1548079"/>
+            <a:ext cx="140108" cy="132661"/>
+          </a:xfrm>
+          <a:prstGeom prst="straightConnector1">
+            <a:avLst/>
+          </a:prstGeom>
+          <a:ln>
+            <a:solidFill>
+              <a:srgbClr val="5F8FA3"/>
+            </a:solidFill>
+            <a:prstDash val="lgDash"/>
+            <a:tailEnd type="triangle"/>
+          </a:ln>
+        </p:spPr>
+        <p:style>
+          <a:lnRef idx="1">
+            <a:schemeClr val="accent1"/>
+          </a:lnRef>
+          <a:fillRef idx="0">
+            <a:schemeClr val="accent1"/>
+          </a:fillRef>
+          <a:effectRef idx="0">
+            <a:schemeClr val="accent1"/>
+          </a:effectRef>
+          <a:fontRef idx="minor">
+            <a:schemeClr val="tx1"/>
+          </a:fontRef>
+        </p:style>
+      </p:cxnSp>
+      <p:cxnSp>
+        <p:nvCxnSpPr>
+          <p:cNvPr id="33" name="Rechte verbindingslijn met pijl 9">
+            <a:extLst>
+              <a:ext uri="{FF2B5EF4-FFF2-40B4-BE49-F238E27FC236}">
+                <a16:creationId xmlns:a16="http://schemas.microsoft.com/office/drawing/2014/main" id="{7D85389B-DA2A-2510-E355-346918B7D66A}"/>
+              </a:ext>
+            </a:extLst>
+          </p:cNvPr>
+          <p:cNvCxnSpPr>
+            <a:cxnSpLocks/>
+          </p:cNvCxnSpPr>
+          <p:nvPr/>
+        </p:nvCxnSpPr>
+        <p:spPr>
+          <a:xfrm flipV="1">
+            <a:off x="4220084" y="1517811"/>
+            <a:ext cx="96612" cy="86941"/>
+          </a:xfrm>
+          <a:prstGeom prst="straightConnector1">
+            <a:avLst/>
+          </a:prstGeom>
+          <a:ln>
+            <a:solidFill>
+              <a:srgbClr val="5F8FA3"/>
+            </a:solidFill>
+            <a:prstDash val="lgDash"/>
+            <a:tailEnd type="triangle"/>
+          </a:ln>
+        </p:spPr>
+        <p:style>
+          <a:lnRef idx="1">
+            <a:schemeClr val="accent1"/>
+          </a:lnRef>
+          <a:fillRef idx="0">
+            <a:schemeClr val="accent1"/>
+          </a:fillRef>
+          <a:effectRef idx="0">
+            <a:schemeClr val="accent1"/>
+          </a:effectRef>
+          <a:fontRef idx="minor">
+            <a:schemeClr val="tx1"/>
+          </a:fontRef>
+        </p:style>
+      </p:cxnSp>
+      <p:cxnSp>
+        <p:nvCxnSpPr>
+          <p:cNvPr id="35" name="Rechte verbindingslijn met pijl 9">
+            <a:extLst>
+              <a:ext uri="{FF2B5EF4-FFF2-40B4-BE49-F238E27FC236}">
+                <a16:creationId xmlns:a16="http://schemas.microsoft.com/office/drawing/2014/main" id="{E5AC5C5D-C493-9ECA-4AC0-576ED24409AC}"/>
+              </a:ext>
+            </a:extLst>
+          </p:cNvPr>
+          <p:cNvCxnSpPr>
+            <a:cxnSpLocks/>
+          </p:cNvCxnSpPr>
+          <p:nvPr/>
+        </p:nvCxnSpPr>
+        <p:spPr>
+          <a:xfrm>
+            <a:off x="3846195" y="1425754"/>
+            <a:ext cx="489022" cy="2558"/>
+          </a:xfrm>
+          <a:prstGeom prst="straightConnector1">
+            <a:avLst/>
+          </a:prstGeom>
+          <a:ln>
+            <a:solidFill>
+              <a:srgbClr val="5F8FA3"/>
+            </a:solidFill>
+            <a:prstDash val="lgDash"/>
+            <a:headEnd type="triangle" w="med" len="med"/>
+            <a:tailEnd type="triangle" w="med" len="med"/>
+          </a:ln>
+        </p:spPr>
+        <p:style>
+          <a:lnRef idx="1">
+            <a:schemeClr val="accent1"/>
+          </a:lnRef>
+          <a:fillRef idx="0">
+            <a:schemeClr val="accent1"/>
+          </a:fillRef>
+          <a:effectRef idx="0">
+            <a:schemeClr val="accent1"/>
+          </a:effectRef>
+          <a:fontRef idx="minor">
+            <a:schemeClr val="tx1"/>
+          </a:fontRef>
+        </p:style>
+      </p:cxnSp>
+      <p:cxnSp>
+        <p:nvCxnSpPr>
+          <p:cNvPr id="38" name="Rechte verbindingslijn met pijl 9">
+            <a:extLst>
+              <a:ext uri="{FF2B5EF4-FFF2-40B4-BE49-F238E27FC236}">
+                <a16:creationId xmlns:a16="http://schemas.microsoft.com/office/drawing/2014/main" id="{8758FBCE-B160-70FF-9155-21889DB60913}"/>
+              </a:ext>
+            </a:extLst>
+          </p:cNvPr>
+          <p:cNvCxnSpPr>
+            <a:cxnSpLocks/>
+          </p:cNvCxnSpPr>
+          <p:nvPr/>
+        </p:nvCxnSpPr>
+        <p:spPr>
+          <a:xfrm>
+            <a:off x="1890368" y="1410326"/>
+            <a:ext cx="489022" cy="2558"/>
+          </a:xfrm>
+          <a:prstGeom prst="straightConnector1">
+            <a:avLst/>
+          </a:prstGeom>
+          <a:ln>
+            <a:solidFill>
+              <a:srgbClr val="5F8FA3"/>
+            </a:solidFill>
+            <a:prstDash val="lgDash"/>
+            <a:headEnd type="triangle" w="med" len="med"/>
+            <a:tailEnd type="triangle" w="med" len="med"/>
+          </a:ln>
+        </p:spPr>
+        <p:style>
+          <a:lnRef idx="1">
+            <a:schemeClr val="accent1"/>
+          </a:lnRef>
+          <a:fillRef idx="0">
+            <a:schemeClr val="accent1"/>
+          </a:fillRef>
+          <a:effectRef idx="0">
+            <a:schemeClr val="accent1"/>
+          </a:effectRef>
+          <a:fontRef idx="minor">
+            <a:schemeClr val="tx1"/>
+          </a:fontRef>
+        </p:style>
+      </p:cxnSp>
+      <p:cxnSp>
+        <p:nvCxnSpPr>
+          <p:cNvPr id="39" name="Rechte verbindingslijn met pijl 9">
+            <a:extLst>
+              <a:ext uri="{FF2B5EF4-FFF2-40B4-BE49-F238E27FC236}">
+                <a16:creationId xmlns:a16="http://schemas.microsoft.com/office/drawing/2014/main" id="{29F43B9A-9EBC-E913-EB69-C71175B09CA6}"/>
+              </a:ext>
+            </a:extLst>
+          </p:cNvPr>
+          <p:cNvCxnSpPr>
+            <a:cxnSpLocks/>
+          </p:cNvCxnSpPr>
+          <p:nvPr/>
+        </p:nvCxnSpPr>
+        <p:spPr>
+          <a:xfrm flipV="1">
+            <a:off x="3774915" y="1477664"/>
+            <a:ext cx="0" cy="364267"/>
+          </a:xfrm>
+          <a:prstGeom prst="straightConnector1">
+            <a:avLst/>
+          </a:prstGeom>
+          <a:ln>
+            <a:solidFill>
+              <a:srgbClr val="5F8FA3"/>
+            </a:solidFill>
+            <a:prstDash val="lgDash"/>
+            <a:headEnd type="triangle" w="med" len="med"/>
+            <a:tailEnd type="triangle" w="med" len="med"/>
+          </a:ln>
+        </p:spPr>
+        <p:style>
+          <a:lnRef idx="1">
+            <a:schemeClr val="accent1"/>
+          </a:lnRef>
+          <a:fillRef idx="0">
+            <a:schemeClr val="accent1"/>
+          </a:fillRef>
+          <a:effectRef idx="0">
+            <a:schemeClr val="accent1"/>
+          </a:effectRef>
+          <a:fontRef idx="minor">
+            <a:schemeClr val="tx1"/>
+          </a:fontRef>
+        </p:style>
+      </p:cxnSp>
+      <p:cxnSp>
+        <p:nvCxnSpPr>
+          <p:cNvPr id="42" name="Rechte verbindingslijn met pijl 9">
+            <a:extLst>
+              <a:ext uri="{FF2B5EF4-FFF2-40B4-BE49-F238E27FC236}">
+                <a16:creationId xmlns:a16="http://schemas.microsoft.com/office/drawing/2014/main" id="{636F60D3-6BC9-5DA9-272F-E412BDAC6700}"/>
+              </a:ext>
+            </a:extLst>
+          </p:cNvPr>
+          <p:cNvCxnSpPr>
+            <a:cxnSpLocks/>
+          </p:cNvCxnSpPr>
+          <p:nvPr/>
+        </p:nvCxnSpPr>
+        <p:spPr>
+          <a:xfrm flipV="1">
+            <a:off x="1820322" y="1458071"/>
+            <a:ext cx="0" cy="364267"/>
+          </a:xfrm>
+          <a:prstGeom prst="straightConnector1">
+            <a:avLst/>
+          </a:prstGeom>
+          <a:ln>
+            <a:solidFill>
+              <a:srgbClr val="5F8FA3"/>
+            </a:solidFill>
+            <a:prstDash val="lgDash"/>
+            <a:headEnd type="triangle" w="med" len="med"/>
+            <a:tailEnd type="triangle" w="med" len="med"/>
+          </a:ln>
+        </p:spPr>
+        <p:style>
+          <a:lnRef idx="1">
+            <a:schemeClr val="accent1"/>
+          </a:lnRef>
+          <a:fillRef idx="0">
+            <a:schemeClr val="accent1"/>
+          </a:fillRef>
+          <a:effectRef idx="0">
+            <a:schemeClr val="accent1"/>
+          </a:effectRef>
+          <a:fontRef idx="minor">
+            <a:schemeClr val="tx1"/>
+          </a:fontRef>
+        </p:style>
+      </p:cxnSp>
+      <p:sp>
+        <p:nvSpPr>
+          <p:cNvPr id="43" name="Rechthoek: afgeronde hoeken 1">
+            <a:extLst>
+              <a:ext uri="{FF2B5EF4-FFF2-40B4-BE49-F238E27FC236}">
+                <a16:creationId xmlns:a16="http://schemas.microsoft.com/office/drawing/2014/main" id="{36465F69-9A5D-D928-5E2B-CCA766792353}"/>
+              </a:ext>
+            </a:extLst>
+          </p:cNvPr>
+          <p:cNvSpPr/>
+          <p:nvPr/>
+        </p:nvSpPr>
+        <p:spPr>
+          <a:xfrm>
+            <a:off x="7676697" y="1291195"/>
+            <a:ext cx="722299" cy="729984"/>
+          </a:xfrm>
+          <a:prstGeom prst="roundRect">
+            <a:avLst/>
+          </a:prstGeom>
+          <a:noFill/>
+          <a:ln>
+            <a:solidFill>
+              <a:schemeClr val="bg1">
+                <a:lumMod val="50000"/>
+              </a:schemeClr>
+            </a:solidFill>
+          </a:ln>
+        </p:spPr>
+        <p:style>
+          <a:lnRef idx="2">
+            <a:schemeClr val="accent1">
+              <a:shade val="50000"/>
+            </a:schemeClr>
+          </a:lnRef>
+          <a:fillRef idx="1">
+            <a:schemeClr val="accent1"/>
+          </a:fillRef>
+          <a:effectRef idx="0">
+            <a:schemeClr val="accent1"/>
+          </a:effectRef>
+          <a:fontRef idx="minor">
+            <a:schemeClr val="lt1"/>
+          </a:fontRef>
+        </p:style>
+        <p:txBody>
+          <a:bodyPr rtlCol="0" anchor="ctr"/>
+          <a:lstStyle/>
+          <a:p>
+            <a:pPr algn="ctr"/>
+            <a:endParaRPr lang="en-US"/>
+          </a:p>
+        </p:txBody>
+      </p:sp>
+      <p:sp>
+        <p:nvSpPr>
+          <p:cNvPr id="48" name="Parallelogram 47">
+            <a:extLst>
+              <a:ext uri="{FF2B5EF4-FFF2-40B4-BE49-F238E27FC236}">
+                <a16:creationId xmlns:a16="http://schemas.microsoft.com/office/drawing/2014/main" id="{753285A5-6428-C4AE-3D0C-472508AB1E5A}"/>
+              </a:ext>
+            </a:extLst>
+          </p:cNvPr>
+          <p:cNvSpPr/>
+          <p:nvPr/>
+        </p:nvSpPr>
+        <p:spPr>
+          <a:xfrm>
+            <a:off x="7728229" y="1454664"/>
+            <a:ext cx="441334" cy="300176"/>
+          </a:xfrm>
+          <a:prstGeom prst="parallelogram">
+            <a:avLst/>
+          </a:prstGeom>
+          <a:noFill/>
+          <a:ln w="28575">
+            <a:solidFill>
+              <a:srgbClr val="5F8FA3"/>
+            </a:solidFill>
+          </a:ln>
+        </p:spPr>
+        <p:style>
+          <a:lnRef idx="2">
+            <a:schemeClr val="accent1">
+              <a:shade val="50000"/>
+            </a:schemeClr>
+          </a:lnRef>
+          <a:fillRef idx="1">
+            <a:schemeClr val="accent1"/>
+          </a:fillRef>
+          <a:effectRef idx="0">
+            <a:schemeClr val="accent1"/>
+          </a:effectRef>
+          <a:fontRef idx="minor">
+            <a:schemeClr val="lt1"/>
+          </a:fontRef>
+        </p:style>
+        <p:txBody>
+          <a:bodyPr rtlCol="0" anchor="ctr"/>
+          <a:lstStyle/>
+          <a:p>
+            <a:pPr algn="ctr"/>
+            <a:endParaRPr lang="en-US"/>
+          </a:p>
+        </p:txBody>
+      </p:sp>
+      <p:cxnSp>
+        <p:nvCxnSpPr>
+          <p:cNvPr id="50" name="Rechte verbindingslijn met pijl 9">
+            <a:extLst>
+              <a:ext uri="{FF2B5EF4-FFF2-40B4-BE49-F238E27FC236}">
+                <a16:creationId xmlns:a16="http://schemas.microsoft.com/office/drawing/2014/main" id="{D6B55922-3B5B-95A1-D379-A80BB97058A0}"/>
+              </a:ext>
+            </a:extLst>
+          </p:cNvPr>
+          <p:cNvCxnSpPr>
+            <a:cxnSpLocks/>
+          </p:cNvCxnSpPr>
+          <p:nvPr/>
+        </p:nvCxnSpPr>
+        <p:spPr>
+          <a:xfrm>
+            <a:off x="7808286" y="1469723"/>
+            <a:ext cx="148690" cy="156711"/>
+          </a:xfrm>
+          <a:prstGeom prst="straightConnector1">
+            <a:avLst/>
+          </a:prstGeom>
+          <a:ln>
+            <a:solidFill>
+              <a:srgbClr val="5F8FA3"/>
+            </a:solidFill>
+            <a:prstDash val="lgDash"/>
+            <a:headEnd type="triangle" w="med" len="med"/>
+            <a:tailEnd type="triangle" w="med" len="med"/>
+          </a:ln>
+        </p:spPr>
+        <p:style>
+          <a:lnRef idx="1">
+            <a:schemeClr val="accent1"/>
+          </a:lnRef>
+          <a:fillRef idx="0">
+            <a:schemeClr val="accent1"/>
+          </a:fillRef>
+          <a:effectRef idx="0">
+            <a:schemeClr val="accent1"/>
+          </a:effectRef>
+          <a:fontRef idx="minor">
+            <a:schemeClr val="tx1"/>
+          </a:fontRef>
+        </p:style>
+      </p:cxnSp>
+      <p:sp>
+        <p:nvSpPr>
+          <p:cNvPr id="52" name="Tekstvak 7">
+            <a:extLst>
+              <a:ext uri="{FF2B5EF4-FFF2-40B4-BE49-F238E27FC236}">
+                <a16:creationId xmlns:a16="http://schemas.microsoft.com/office/drawing/2014/main" id="{638749C7-F035-5A86-43B9-BF8B83AF9BAE}"/>
+              </a:ext>
+            </a:extLst>
+          </p:cNvPr>
+          <p:cNvSpPr txBox="1"/>
+          <p:nvPr/>
+        </p:nvSpPr>
+        <p:spPr>
+          <a:xfrm>
+            <a:off x="7249090" y="2051524"/>
+            <a:ext cx="1800493" cy="261610"/>
+          </a:xfrm>
+          <a:prstGeom prst="rect">
+            <a:avLst/>
+          </a:prstGeom>
+          <a:noFill/>
+        </p:spPr>
+        <p:txBody>
+          <a:bodyPr wrap="none" rtlCol="0">
+            <a:spAutoFit/>
+          </a:bodyPr>
+          <a:lstStyle/>
+          <a:p>
+            <a:r>
+              <a:rPr lang="en-US" sz="1100" dirty="0" err="1">
+                <a:latin typeface="Consolas" panose="020B0609020204030204" pitchFamily="49" charset="0"/>
+              </a:rPr>
+              <a:t>sketchFaceOffset</a:t>
+            </a:r>
+            <a:r>
+              <a:rPr lang="en-US" sz="1100" dirty="0">
+                <a:latin typeface="Consolas" panose="020B0609020204030204" pitchFamily="49" charset="0"/>
+              </a:rPr>
+              <a:t>(</a:t>
+            </a:r>
+            <a:r>
+              <a:rPr lang="en-US" sz="1100" dirty="0" err="1">
+                <a:latin typeface="Consolas" panose="020B0609020204030204" pitchFamily="49" charset="0"/>
+              </a:rPr>
+              <a:t>f,t</a:t>
+            </a:r>
+            <a:r>
+              <a:rPr lang="en-US" sz="1100" dirty="0">
+                <a:latin typeface="Consolas" panose="020B0609020204030204" pitchFamily="49" charset="0"/>
+              </a:rPr>
+              <a:t>)</a:t>
+            </a:r>
+            <a:endParaRPr lang="en-US" dirty="0">
+              <a:latin typeface="Consolas" panose="020B0609020204030204" pitchFamily="49" charset="0"/>
+            </a:endParaRPr>
+          </a:p>
+        </p:txBody>
+      </p:sp>
+    </p:spTree>
+    <p:extLst>
+      <p:ext uri="{BB962C8B-B14F-4D97-AF65-F5344CB8AC3E}">
+        <p14:creationId xmlns:p14="http://schemas.microsoft.com/office/powerpoint/2010/main" val="735969494"/>
+      </p:ext>
+    </p:extLst>
+  </p:cSld>
+  <p:clrMapOvr>
+    <a:masterClrMapping/>
+  </p:clrMapOvr>
+</p:sld>
+</file>
+
+<file path=ppt/slides/slide7.xml><?xml version="1.0" encoding="utf-8"?>
+<p:sld xmlns:a="http://schemas.openxmlformats.org/drawingml/2006/main" xmlns:r="http://schemas.openxmlformats.org/officeDocument/2006/relationships" xmlns:p="http://schemas.openxmlformats.org/presentationml/2006/main">
+  <p:cSld>
+    <p:spTree>
+      <p:nvGrpSpPr>
+        <p:cNvPr id="1" name=""/>
+        <p:cNvGrpSpPr/>
+        <p:nvPr/>
+      </p:nvGrpSpPr>
+      <p:grpSpPr>
+        <a:xfrm>
+          <a:off x="0" y="0"/>
+          <a:ext cx="0" cy="0"/>
+          <a:chOff x="0" y="0"/>
+          <a:chExt cx="0" cy="0"/>
+        </a:xfrm>
+      </p:grpSpPr>
+      <p:sp>
+        <p:nvSpPr>
+          <p:cNvPr id="99" name="Parallelogram 98">
+            <a:extLst>
+              <a:ext uri="{FF2B5EF4-FFF2-40B4-BE49-F238E27FC236}">
+                <a16:creationId xmlns:a16="http://schemas.microsoft.com/office/drawing/2014/main" id="{FDC218C0-0617-2BBC-A0C0-BF2626FA5CFB}"/>
+              </a:ext>
+            </a:extLst>
+          </p:cNvPr>
+          <p:cNvSpPr/>
+          <p:nvPr/>
+        </p:nvSpPr>
+        <p:spPr>
+          <a:xfrm rot="953901">
+            <a:off x="9138249" y="1730416"/>
+            <a:ext cx="558978" cy="218669"/>
+          </a:xfrm>
+          <a:prstGeom prst="parallelogram">
+            <a:avLst>
+              <a:gd name="adj" fmla="val 118841"/>
+            </a:avLst>
+          </a:prstGeom>
+          <a:solidFill>
+            <a:srgbClr val="C5D6DD"/>
+          </a:solidFill>
+          <a:ln w="28575">
+            <a:solidFill>
+              <a:schemeClr val="tx1"/>
+            </a:solidFill>
+          </a:ln>
+        </p:spPr>
+        <p:style>
+          <a:lnRef idx="2">
+            <a:schemeClr val="accent1">
+              <a:shade val="50000"/>
+            </a:schemeClr>
+          </a:lnRef>
+          <a:fillRef idx="1">
+            <a:schemeClr val="accent1"/>
+          </a:fillRef>
+          <a:effectRef idx="0">
+            <a:schemeClr val="accent1"/>
+          </a:effectRef>
+          <a:fontRef idx="minor">
+            <a:schemeClr val="lt1"/>
+          </a:fontRef>
+        </p:style>
+        <p:txBody>
+          <a:bodyPr rtlCol="0" anchor="ctr"/>
+          <a:lstStyle/>
+          <a:p>
+            <a:pPr algn="ctr"/>
+            <a:endParaRPr lang="en-US"/>
+          </a:p>
+        </p:txBody>
+      </p:sp>
+      <p:sp>
+        <p:nvSpPr>
+          <p:cNvPr id="27" name="Freeform 26">
+            <a:extLst>
+              <a:ext uri="{FF2B5EF4-FFF2-40B4-BE49-F238E27FC236}">
+                <a16:creationId xmlns:a16="http://schemas.microsoft.com/office/drawing/2014/main" id="{2488CD64-95C3-7B59-50F6-E9B22E05A5B9}"/>
+              </a:ext>
+            </a:extLst>
+          </p:cNvPr>
+          <p:cNvSpPr/>
+          <p:nvPr/>
+        </p:nvSpPr>
+        <p:spPr>
+          <a:xfrm>
+            <a:off x="5134380" y="1478684"/>
+            <a:ext cx="202912" cy="405994"/>
+          </a:xfrm>
+          <a:custGeom>
+            <a:avLst/>
+            <a:gdLst>
+              <a:gd name="connsiteX0" fmla="*/ 0 w 186537"/>
+              <a:gd name="connsiteY0" fmla="*/ 3658 h 405994"/>
+              <a:gd name="connsiteX1" fmla="*/ 182880 w 186537"/>
+              <a:gd name="connsiteY1" fmla="*/ 0 h 405994"/>
+              <a:gd name="connsiteX2" fmla="*/ 186537 w 186537"/>
+              <a:gd name="connsiteY2" fmla="*/ 128016 h 405994"/>
+              <a:gd name="connsiteX3" fmla="*/ 69494 w 186537"/>
+              <a:gd name="connsiteY3" fmla="*/ 131674 h 405994"/>
+              <a:gd name="connsiteX4" fmla="*/ 69494 w 186537"/>
+              <a:gd name="connsiteY4" fmla="*/ 405994 h 405994"/>
+              <a:gd name="connsiteX5" fmla="*/ 10973 w 186537"/>
+              <a:gd name="connsiteY5" fmla="*/ 405994 h 405994"/>
+              <a:gd name="connsiteX0" fmla="*/ 0 w 196777"/>
+              <a:gd name="connsiteY0" fmla="*/ 0 h 402336"/>
+              <a:gd name="connsiteX1" fmla="*/ 196777 w 196777"/>
+              <a:gd name="connsiteY1" fmla="*/ 0 h 402336"/>
+              <a:gd name="connsiteX2" fmla="*/ 186537 w 196777"/>
+              <a:gd name="connsiteY2" fmla="*/ 124358 h 402336"/>
+              <a:gd name="connsiteX3" fmla="*/ 69494 w 196777"/>
+              <a:gd name="connsiteY3" fmla="*/ 128016 h 402336"/>
+              <a:gd name="connsiteX4" fmla="*/ 69494 w 196777"/>
+              <a:gd name="connsiteY4" fmla="*/ 402336 h 402336"/>
+              <a:gd name="connsiteX5" fmla="*/ 10973 w 196777"/>
+              <a:gd name="connsiteY5" fmla="*/ 402336 h 402336"/>
+              <a:gd name="connsiteX0" fmla="*/ 0 w 189828"/>
+              <a:gd name="connsiteY0" fmla="*/ 3658 h 405994"/>
+              <a:gd name="connsiteX1" fmla="*/ 189828 w 189828"/>
+              <a:gd name="connsiteY1" fmla="*/ 0 h 405994"/>
+              <a:gd name="connsiteX2" fmla="*/ 186537 w 189828"/>
+              <a:gd name="connsiteY2" fmla="*/ 128016 h 405994"/>
+              <a:gd name="connsiteX3" fmla="*/ 69494 w 189828"/>
+              <a:gd name="connsiteY3" fmla="*/ 131674 h 405994"/>
+              <a:gd name="connsiteX4" fmla="*/ 69494 w 189828"/>
+              <a:gd name="connsiteY4" fmla="*/ 405994 h 405994"/>
+              <a:gd name="connsiteX5" fmla="*/ 10973 w 189828"/>
+              <a:gd name="connsiteY5" fmla="*/ 405994 h 405994"/>
+              <a:gd name="connsiteX0" fmla="*/ 0 w 189828"/>
+              <a:gd name="connsiteY0" fmla="*/ 3658 h 405994"/>
+              <a:gd name="connsiteX1" fmla="*/ 189828 w 189828"/>
+              <a:gd name="connsiteY1" fmla="*/ 0 h 405994"/>
+              <a:gd name="connsiteX2" fmla="*/ 186537 w 189828"/>
+              <a:gd name="connsiteY2" fmla="*/ 128016 h 405994"/>
+              <a:gd name="connsiteX3" fmla="*/ 69494 w 189828"/>
+              <a:gd name="connsiteY3" fmla="*/ 131674 h 405994"/>
+              <a:gd name="connsiteX4" fmla="*/ 69494 w 189828"/>
+              <a:gd name="connsiteY4" fmla="*/ 405994 h 405994"/>
+              <a:gd name="connsiteX5" fmla="*/ 10973 w 189828"/>
+              <a:gd name="connsiteY5" fmla="*/ 405994 h 405994"/>
+              <a:gd name="connsiteX6" fmla="*/ 0 w 189828"/>
+              <a:gd name="connsiteY6" fmla="*/ 3658 h 405994"/>
+              <a:gd name="connsiteX0" fmla="*/ 0 w 186353"/>
+              <a:gd name="connsiteY0" fmla="*/ 7316 h 405994"/>
+              <a:gd name="connsiteX1" fmla="*/ 186353 w 186353"/>
+              <a:gd name="connsiteY1" fmla="*/ 0 h 405994"/>
+              <a:gd name="connsiteX2" fmla="*/ 183062 w 186353"/>
+              <a:gd name="connsiteY2" fmla="*/ 128016 h 405994"/>
+              <a:gd name="connsiteX3" fmla="*/ 66019 w 186353"/>
+              <a:gd name="connsiteY3" fmla="*/ 131674 h 405994"/>
+              <a:gd name="connsiteX4" fmla="*/ 66019 w 186353"/>
+              <a:gd name="connsiteY4" fmla="*/ 405994 h 405994"/>
+              <a:gd name="connsiteX5" fmla="*/ 7498 w 186353"/>
+              <a:gd name="connsiteY5" fmla="*/ 405994 h 405994"/>
+              <a:gd name="connsiteX6" fmla="*/ 0 w 186353"/>
+              <a:gd name="connsiteY6" fmla="*/ 7316 h 405994"/>
+              <a:gd name="connsiteX0" fmla="*/ 6401 w 192754"/>
+              <a:gd name="connsiteY0" fmla="*/ 7316 h 405994"/>
+              <a:gd name="connsiteX1" fmla="*/ 192754 w 192754"/>
+              <a:gd name="connsiteY1" fmla="*/ 0 h 405994"/>
+              <a:gd name="connsiteX2" fmla="*/ 189463 w 192754"/>
+              <a:gd name="connsiteY2" fmla="*/ 128016 h 405994"/>
+              <a:gd name="connsiteX3" fmla="*/ 72420 w 192754"/>
+              <a:gd name="connsiteY3" fmla="*/ 131674 h 405994"/>
+              <a:gd name="connsiteX4" fmla="*/ 72420 w 192754"/>
+              <a:gd name="connsiteY4" fmla="*/ 405994 h 405994"/>
+              <a:gd name="connsiteX5" fmla="*/ 0 w 192754"/>
+              <a:gd name="connsiteY5" fmla="*/ 405994 h 405994"/>
+              <a:gd name="connsiteX6" fmla="*/ 6401 w 192754"/>
+              <a:gd name="connsiteY6" fmla="*/ 7316 h 405994"/>
+            </a:gdLst>
+            <a:ahLst/>
+            <a:cxnLst>
+              <a:cxn ang="0">
+                <a:pos x="connsiteX0" y="connsiteY0"/>
+              </a:cxn>
+              <a:cxn ang="0">
+                <a:pos x="connsiteX1" y="connsiteY1"/>
+              </a:cxn>
+              <a:cxn ang="0">
+                <a:pos x="connsiteX2" y="connsiteY2"/>
+              </a:cxn>
+              <a:cxn ang="0">
+                <a:pos x="connsiteX3" y="connsiteY3"/>
+              </a:cxn>
+              <a:cxn ang="0">
+                <a:pos x="connsiteX4" y="connsiteY4"/>
+              </a:cxn>
+              <a:cxn ang="0">
+                <a:pos x="connsiteX5" y="connsiteY5"/>
+              </a:cxn>
+              <a:cxn ang="0">
+                <a:pos x="connsiteX6" y="connsiteY6"/>
+              </a:cxn>
+            </a:cxnLst>
+            <a:rect l="l" t="t" r="r" b="b"/>
+            <a:pathLst>
+              <a:path w="192754" h="405994">
+                <a:moveTo>
+                  <a:pt x="6401" y="7316"/>
+                </a:moveTo>
+                <a:lnTo>
+                  <a:pt x="192754" y="0"/>
+                </a:lnTo>
+                <a:lnTo>
+                  <a:pt x="189463" y="128016"/>
+                </a:lnTo>
+                <a:lnTo>
+                  <a:pt x="72420" y="131674"/>
+                </a:lnTo>
+                <a:lnTo>
+                  <a:pt x="72420" y="405994"/>
+                </a:lnTo>
+                <a:lnTo>
+                  <a:pt x="0" y="405994"/>
+                </a:lnTo>
+                <a:lnTo>
+                  <a:pt x="6401" y="7316"/>
+                </a:lnTo>
+                <a:close/>
+              </a:path>
+            </a:pathLst>
+          </a:custGeom>
+          <a:gradFill flip="none" rotWithShape="1">
+            <a:gsLst>
+              <a:gs pos="0">
+                <a:srgbClr val="C5D6DD">
+                  <a:shade val="30000"/>
+                  <a:satMod val="115000"/>
+                </a:srgbClr>
+              </a:gs>
+              <a:gs pos="50000">
+                <a:srgbClr val="C5D6DD">
+                  <a:shade val="67500"/>
+                  <a:satMod val="115000"/>
+                </a:srgbClr>
+              </a:gs>
+              <a:gs pos="100000">
+                <a:srgbClr val="C5D6DD">
+                  <a:shade val="100000"/>
+                  <a:satMod val="115000"/>
+                </a:srgbClr>
+              </a:gs>
+            </a:gsLst>
+            <a:lin ang="8100000" scaled="1"/>
+            <a:tileRect/>
+          </a:gradFill>
+          <a:ln w="19050">
+            <a:solidFill>
+              <a:schemeClr val="tx1"/>
+            </a:solidFill>
+          </a:ln>
+        </p:spPr>
+        <p:style>
+          <a:lnRef idx="2">
+            <a:schemeClr val="accent1">
+              <a:shade val="50000"/>
+            </a:schemeClr>
+          </a:lnRef>
+          <a:fillRef idx="1">
+            <a:schemeClr val="accent1"/>
+          </a:fillRef>
+          <a:effectRef idx="0">
+            <a:schemeClr val="accent1"/>
+          </a:effectRef>
+          <a:fontRef idx="minor">
+            <a:schemeClr val="lt1"/>
+          </a:fontRef>
+        </p:style>
+        <p:txBody>
+          <a:bodyPr rtlCol="0" anchor="ctr"/>
+          <a:lstStyle/>
+          <a:p>
+            <a:pPr algn="ctr"/>
+            <a:endParaRPr lang="en-US"/>
+          </a:p>
+        </p:txBody>
+      </p:sp>
+      <p:sp>
+        <p:nvSpPr>
+          <p:cNvPr id="2" name="Rechthoek: afgeronde hoeken 1">
+            <a:extLst>
+              <a:ext uri="{FF2B5EF4-FFF2-40B4-BE49-F238E27FC236}">
+                <a16:creationId xmlns:a16="http://schemas.microsoft.com/office/drawing/2014/main" id="{3AB59396-2CA5-2DBA-1F9A-C0C31D37B5BA}"/>
+              </a:ext>
+            </a:extLst>
+          </p:cNvPr>
+          <p:cNvSpPr/>
+          <p:nvPr/>
+        </p:nvSpPr>
+        <p:spPr>
+          <a:xfrm>
+            <a:off x="3374539" y="1297094"/>
+            <a:ext cx="722299" cy="729984"/>
+          </a:xfrm>
+          <a:prstGeom prst="roundRect">
+            <a:avLst/>
+          </a:prstGeom>
+          <a:noFill/>
+          <a:ln>
+            <a:solidFill>
+              <a:schemeClr val="bg1">
+                <a:lumMod val="50000"/>
+              </a:schemeClr>
+            </a:solidFill>
+          </a:ln>
+        </p:spPr>
+        <p:style>
+          <a:lnRef idx="2">
+            <a:schemeClr val="accent1">
+              <a:shade val="50000"/>
+            </a:schemeClr>
+          </a:lnRef>
+          <a:fillRef idx="1">
+            <a:schemeClr val="accent1"/>
+          </a:fillRef>
+          <a:effectRef idx="0">
+            <a:schemeClr val="accent1"/>
+          </a:effectRef>
+          <a:fontRef idx="minor">
+            <a:schemeClr val="lt1"/>
+          </a:fontRef>
+        </p:style>
+        <p:txBody>
+          <a:bodyPr rtlCol="0" anchor="ctr"/>
+          <a:lstStyle/>
+          <a:p>
+            <a:pPr algn="ctr"/>
+            <a:endParaRPr lang="en-US"/>
+          </a:p>
+        </p:txBody>
+      </p:sp>
+      <p:sp>
+        <p:nvSpPr>
+          <p:cNvPr id="3" name="Tekstvak 7">
+            <a:extLst>
+              <a:ext uri="{FF2B5EF4-FFF2-40B4-BE49-F238E27FC236}">
+                <a16:creationId xmlns:a16="http://schemas.microsoft.com/office/drawing/2014/main" id="{A57468CB-EBB0-4BC4-AFE3-1BA3F4952B5D}"/>
+              </a:ext>
+            </a:extLst>
+          </p:cNvPr>
+          <p:cNvSpPr txBox="1"/>
+          <p:nvPr/>
+        </p:nvSpPr>
+        <p:spPr>
+          <a:xfrm>
+            <a:off x="3225818" y="2052622"/>
+            <a:ext cx="1031051" cy="261610"/>
+          </a:xfrm>
+          <a:prstGeom prst="rect">
+            <a:avLst/>
+          </a:prstGeom>
+          <a:noFill/>
+        </p:spPr>
+        <p:txBody>
+          <a:bodyPr wrap="none" rtlCol="0">
+            <a:spAutoFit/>
+          </a:bodyPr>
+          <a:lstStyle/>
+          <a:p>
+            <a:r>
+              <a:rPr lang="en-US" sz="1100" dirty="0">
+                <a:latin typeface="Consolas" panose="020B0609020204030204" pitchFamily="49" charset="0"/>
+              </a:rPr>
+              <a:t>.extrude(d)</a:t>
+            </a:r>
+            <a:endParaRPr lang="en-US" dirty="0">
+              <a:latin typeface="Consolas" panose="020B0609020204030204" pitchFamily="49" charset="0"/>
+            </a:endParaRPr>
+          </a:p>
+        </p:txBody>
+      </p:sp>
+      <p:sp>
+        <p:nvSpPr>
+          <p:cNvPr id="9" name="Oval 8">
+            <a:extLst>
+              <a:ext uri="{FF2B5EF4-FFF2-40B4-BE49-F238E27FC236}">
+                <a16:creationId xmlns:a16="http://schemas.microsoft.com/office/drawing/2014/main" id="{42A30EDB-205D-BB5B-1425-066330A9E421}"/>
+              </a:ext>
+            </a:extLst>
+          </p:cNvPr>
+          <p:cNvSpPr/>
+          <p:nvPr/>
+        </p:nvSpPr>
+        <p:spPr>
+          <a:xfrm>
+            <a:off x="3544235" y="1747474"/>
+            <a:ext cx="382905" cy="129945"/>
+          </a:xfrm>
+          <a:prstGeom prst="ellipse">
+            <a:avLst/>
+          </a:prstGeom>
+          <a:gradFill flip="none" rotWithShape="1">
+            <a:gsLst>
+              <a:gs pos="0">
+                <a:srgbClr val="C5D6DD">
+                  <a:shade val="30000"/>
+                  <a:satMod val="115000"/>
+                </a:srgbClr>
+              </a:gs>
+              <a:gs pos="50000">
+                <a:srgbClr val="C5D6DD">
+                  <a:shade val="67500"/>
+                  <a:satMod val="115000"/>
+                </a:srgbClr>
+              </a:gs>
+              <a:gs pos="100000">
+                <a:srgbClr val="C5D6DD">
+                  <a:shade val="100000"/>
+                  <a:satMod val="115000"/>
+                </a:srgbClr>
+              </a:gs>
+            </a:gsLst>
+            <a:lin ang="5400000" scaled="1"/>
+            <a:tileRect/>
+          </a:gradFill>
+          <a:ln w="28575">
+            <a:solidFill>
+              <a:schemeClr val="tx1"/>
+            </a:solidFill>
+          </a:ln>
+        </p:spPr>
+        <p:style>
+          <a:lnRef idx="2">
+            <a:schemeClr val="accent1">
+              <a:shade val="50000"/>
+            </a:schemeClr>
+          </a:lnRef>
+          <a:fillRef idx="1">
+            <a:schemeClr val="accent1"/>
+          </a:fillRef>
+          <a:effectRef idx="0">
+            <a:schemeClr val="accent1"/>
+          </a:effectRef>
+          <a:fontRef idx="minor">
+            <a:schemeClr val="lt1"/>
+          </a:fontRef>
+        </p:style>
+        <p:txBody>
+          <a:bodyPr rtlCol="0" anchor="ctr"/>
+          <a:lstStyle/>
+          <a:p>
+            <a:pPr algn="ctr"/>
+            <a:endParaRPr lang="en-US"/>
+          </a:p>
+        </p:txBody>
+      </p:sp>
+      <p:sp>
+        <p:nvSpPr>
+          <p:cNvPr id="10" name="Oval 9">
+            <a:extLst>
+              <a:ext uri="{FF2B5EF4-FFF2-40B4-BE49-F238E27FC236}">
+                <a16:creationId xmlns:a16="http://schemas.microsoft.com/office/drawing/2014/main" id="{DBD65DAC-FA5D-CF45-4E40-17F6B1993D0D}"/>
+              </a:ext>
+            </a:extLst>
+          </p:cNvPr>
+          <p:cNvSpPr/>
+          <p:nvPr/>
+        </p:nvSpPr>
+        <p:spPr>
+          <a:xfrm>
+            <a:off x="3544234" y="1441350"/>
+            <a:ext cx="382905" cy="129945"/>
+          </a:xfrm>
+          <a:prstGeom prst="ellipse">
+            <a:avLst/>
+          </a:prstGeom>
+          <a:solidFill>
+            <a:srgbClr val="C5D6DD"/>
+          </a:solidFill>
+          <a:ln w="28575">
+            <a:solidFill>
+              <a:srgbClr val="5F8FA3"/>
+            </a:solidFill>
+          </a:ln>
+        </p:spPr>
+        <p:style>
+          <a:lnRef idx="2">
+            <a:schemeClr val="accent1">
+              <a:shade val="50000"/>
+            </a:schemeClr>
+          </a:lnRef>
+          <a:fillRef idx="1">
+            <a:schemeClr val="accent1"/>
+          </a:fillRef>
+          <a:effectRef idx="0">
+            <a:schemeClr val="accent1"/>
+          </a:effectRef>
+          <a:fontRef idx="minor">
+            <a:schemeClr val="lt1"/>
+          </a:fontRef>
+        </p:style>
+        <p:txBody>
+          <a:bodyPr rtlCol="0" anchor="ctr"/>
+          <a:lstStyle/>
+          <a:p>
+            <a:pPr algn="ctr"/>
+            <a:endParaRPr lang="en-US"/>
+          </a:p>
+        </p:txBody>
+      </p:sp>
+      <p:cxnSp>
+        <p:nvCxnSpPr>
+          <p:cNvPr id="11" name="Rechte verbindingslijn met pijl 9">
+            <a:extLst>
+              <a:ext uri="{FF2B5EF4-FFF2-40B4-BE49-F238E27FC236}">
+                <a16:creationId xmlns:a16="http://schemas.microsoft.com/office/drawing/2014/main" id="{261E0A1B-1835-8A62-6B2D-CA205419D7F1}"/>
+              </a:ext>
+            </a:extLst>
+          </p:cNvPr>
+          <p:cNvCxnSpPr>
+            <a:cxnSpLocks/>
+            <a:endCxn id="10" idx="0"/>
+          </p:cNvCxnSpPr>
+          <p:nvPr/>
+        </p:nvCxnSpPr>
+        <p:spPr>
+          <a:xfrm flipH="1" flipV="1">
+            <a:off x="3735687" y="1441350"/>
+            <a:ext cx="2532" cy="363275"/>
+          </a:xfrm>
+          <a:prstGeom prst="straightConnector1">
+            <a:avLst/>
+          </a:prstGeom>
+          <a:ln>
+            <a:solidFill>
+              <a:srgbClr val="5F8FA3"/>
+            </a:solidFill>
+            <a:prstDash val="lgDash"/>
+            <a:tailEnd type="triangle"/>
+          </a:ln>
+        </p:spPr>
+        <p:style>
+          <a:lnRef idx="1">
+            <a:schemeClr val="accent1"/>
+          </a:lnRef>
+          <a:fillRef idx="0">
+            <a:schemeClr val="accent1"/>
+          </a:fillRef>
+          <a:effectRef idx="0">
+            <a:schemeClr val="accent1"/>
+          </a:effectRef>
+          <a:fontRef idx="minor">
+            <a:schemeClr val="tx1"/>
+          </a:fontRef>
+        </p:style>
+      </p:cxnSp>
+      <p:cxnSp>
+        <p:nvCxnSpPr>
+          <p:cNvPr id="15" name="Straight Connector 14">
+            <a:extLst>
+              <a:ext uri="{FF2B5EF4-FFF2-40B4-BE49-F238E27FC236}">
+                <a16:creationId xmlns:a16="http://schemas.microsoft.com/office/drawing/2014/main" id="{2C599076-5B37-5A39-B0DF-B65E3092DA4E}"/>
+              </a:ext>
+            </a:extLst>
+          </p:cNvPr>
+          <p:cNvCxnSpPr>
+            <a:stCxn id="9" idx="2"/>
+            <a:endCxn id="10" idx="2"/>
+          </p:cNvCxnSpPr>
+          <p:nvPr/>
+        </p:nvCxnSpPr>
+        <p:spPr>
+          <a:xfrm flipH="1" flipV="1">
+            <a:off x="3544234" y="1506323"/>
+            <a:ext cx="1" cy="306124"/>
+          </a:xfrm>
+          <a:prstGeom prst="line">
+            <a:avLst/>
+          </a:prstGeom>
+          <a:noFill/>
+          <a:ln w="28575">
+            <a:solidFill>
+              <a:srgbClr val="5F8FA3"/>
+            </a:solidFill>
+          </a:ln>
+        </p:spPr>
+        <p:style>
+          <a:lnRef idx="2">
+            <a:schemeClr val="accent1">
+              <a:shade val="50000"/>
+            </a:schemeClr>
+          </a:lnRef>
+          <a:fillRef idx="1">
+            <a:schemeClr val="accent1"/>
+          </a:fillRef>
+          <a:effectRef idx="0">
+            <a:schemeClr val="accent1"/>
+          </a:effectRef>
+          <a:fontRef idx="minor">
+            <a:schemeClr val="lt1"/>
+          </a:fontRef>
+        </p:style>
+      </p:cxnSp>
+      <p:cxnSp>
+        <p:nvCxnSpPr>
+          <p:cNvPr id="17" name="Straight Connector 16">
+            <a:extLst>
+              <a:ext uri="{FF2B5EF4-FFF2-40B4-BE49-F238E27FC236}">
+                <a16:creationId xmlns:a16="http://schemas.microsoft.com/office/drawing/2014/main" id="{4B217812-020B-224B-8049-A9026DF364DE}"/>
+              </a:ext>
+            </a:extLst>
+          </p:cNvPr>
+          <p:cNvCxnSpPr/>
+          <p:nvPr/>
+        </p:nvCxnSpPr>
+        <p:spPr>
+          <a:xfrm flipH="1" flipV="1">
+            <a:off x="3926858" y="1507643"/>
+            <a:ext cx="1" cy="306124"/>
+          </a:xfrm>
+          <a:prstGeom prst="line">
+            <a:avLst/>
+          </a:prstGeom>
+          <a:noFill/>
+          <a:ln w="28575">
+            <a:solidFill>
+              <a:srgbClr val="5F8FA3"/>
+            </a:solidFill>
+          </a:ln>
+        </p:spPr>
+        <p:style>
+          <a:lnRef idx="2">
+            <a:schemeClr val="accent1">
+              <a:shade val="50000"/>
+            </a:schemeClr>
+          </a:lnRef>
+          <a:fillRef idx="1">
+            <a:schemeClr val="accent1"/>
+          </a:fillRef>
+          <a:effectRef idx="0">
+            <a:schemeClr val="accent1"/>
+          </a:effectRef>
+          <a:fontRef idx="minor">
+            <a:schemeClr val="lt1"/>
+          </a:fontRef>
+        </p:style>
+      </p:cxnSp>
+      <p:sp>
+        <p:nvSpPr>
+          <p:cNvPr id="19" name="Rechthoek: afgeronde hoeken 1">
+            <a:extLst>
+              <a:ext uri="{FF2B5EF4-FFF2-40B4-BE49-F238E27FC236}">
+                <a16:creationId xmlns:a16="http://schemas.microsoft.com/office/drawing/2014/main" id="{E163CADF-2A7C-8701-A63C-E062BD9AA668}"/>
+              </a:ext>
+            </a:extLst>
+          </p:cNvPr>
+          <p:cNvSpPr/>
+          <p:nvPr/>
+        </p:nvSpPr>
+        <p:spPr>
+          <a:xfrm>
+            <a:off x="4776675" y="1302159"/>
+            <a:ext cx="722299" cy="729984"/>
+          </a:xfrm>
+          <a:prstGeom prst="roundRect">
+            <a:avLst/>
+          </a:prstGeom>
+          <a:noFill/>
+          <a:ln>
+            <a:solidFill>
+              <a:schemeClr val="bg1">
+                <a:lumMod val="50000"/>
+              </a:schemeClr>
+            </a:solidFill>
+          </a:ln>
+        </p:spPr>
+        <p:style>
+          <a:lnRef idx="2">
+            <a:schemeClr val="accent1">
+              <a:shade val="50000"/>
+            </a:schemeClr>
+          </a:lnRef>
+          <a:fillRef idx="1">
+            <a:schemeClr val="accent1"/>
+          </a:fillRef>
+          <a:effectRef idx="0">
+            <a:schemeClr val="accent1"/>
+          </a:effectRef>
+          <a:fontRef idx="minor">
+            <a:schemeClr val="lt1"/>
+          </a:fontRef>
+        </p:style>
+        <p:txBody>
+          <a:bodyPr rtlCol="0" anchor="ctr"/>
+          <a:lstStyle/>
+          <a:p>
+            <a:pPr algn="ctr"/>
+            <a:endParaRPr lang="en-US"/>
+          </a:p>
+        </p:txBody>
+      </p:sp>
+      <p:sp>
+        <p:nvSpPr>
+          <p:cNvPr id="20" name="Tekstvak 7">
+            <a:extLst>
+              <a:ext uri="{FF2B5EF4-FFF2-40B4-BE49-F238E27FC236}">
+                <a16:creationId xmlns:a16="http://schemas.microsoft.com/office/drawing/2014/main" id="{700C24FC-7B91-2F41-6631-D5A7AB313C1E}"/>
+              </a:ext>
+            </a:extLst>
+          </p:cNvPr>
+          <p:cNvSpPr txBox="1"/>
+          <p:nvPr/>
+        </p:nvSpPr>
+        <p:spPr>
+          <a:xfrm>
+            <a:off x="4572340" y="2045073"/>
+            <a:ext cx="1261884" cy="261610"/>
+          </a:xfrm>
+          <a:prstGeom prst="rect">
+            <a:avLst/>
+          </a:prstGeom>
+          <a:noFill/>
+        </p:spPr>
+        <p:txBody>
+          <a:bodyPr wrap="none" rtlCol="0">
+            <a:spAutoFit/>
+          </a:bodyPr>
+          <a:lstStyle/>
+          <a:p>
+            <a:r>
+              <a:rPr lang="en-US" sz="1100" dirty="0">
+                <a:latin typeface="Consolas" panose="020B0609020204030204" pitchFamily="49" charset="0"/>
+              </a:rPr>
+              <a:t>.revolve(axis)</a:t>
+            </a:r>
+            <a:endParaRPr lang="en-US" dirty="0">
+              <a:latin typeface="Consolas" panose="020B0609020204030204" pitchFamily="49" charset="0"/>
+            </a:endParaRPr>
+          </a:p>
+        </p:txBody>
+      </p:sp>
+      <p:sp>
+        <p:nvSpPr>
+          <p:cNvPr id="21" name="Oval 20">
+            <a:extLst>
+              <a:ext uri="{FF2B5EF4-FFF2-40B4-BE49-F238E27FC236}">
+                <a16:creationId xmlns:a16="http://schemas.microsoft.com/office/drawing/2014/main" id="{06BDB3E4-629C-5180-C5A9-5053C212731F}"/>
+              </a:ext>
+            </a:extLst>
+          </p:cNvPr>
+          <p:cNvSpPr/>
+          <p:nvPr/>
+        </p:nvSpPr>
+        <p:spPr>
+          <a:xfrm>
+            <a:off x="4955078" y="1412844"/>
+            <a:ext cx="382905" cy="129945"/>
+          </a:xfrm>
+          <a:prstGeom prst="ellipse">
+            <a:avLst/>
+          </a:prstGeom>
+          <a:noFill/>
+          <a:ln w="28575">
+            <a:solidFill>
+              <a:srgbClr val="5F8FA3"/>
+            </a:solidFill>
+          </a:ln>
+        </p:spPr>
+        <p:style>
+          <a:lnRef idx="2">
+            <a:schemeClr val="accent1">
+              <a:shade val="50000"/>
+            </a:schemeClr>
+          </a:lnRef>
+          <a:fillRef idx="1">
+            <a:schemeClr val="accent1"/>
+          </a:fillRef>
+          <a:effectRef idx="0">
+            <a:schemeClr val="accent1"/>
+          </a:effectRef>
+          <a:fontRef idx="minor">
+            <a:schemeClr val="lt1"/>
+          </a:fontRef>
+        </p:style>
+        <p:txBody>
+          <a:bodyPr rtlCol="0" anchor="ctr"/>
+          <a:lstStyle/>
+          <a:p>
+            <a:pPr algn="ctr"/>
+            <a:endParaRPr lang="en-US"/>
+          </a:p>
+        </p:txBody>
+      </p:sp>
+      <p:cxnSp>
+        <p:nvCxnSpPr>
+          <p:cNvPr id="24" name="Straight Connector 23">
+            <a:extLst>
+              <a:ext uri="{FF2B5EF4-FFF2-40B4-BE49-F238E27FC236}">
+                <a16:creationId xmlns:a16="http://schemas.microsoft.com/office/drawing/2014/main" id="{E8A3FB2B-8396-3168-DBCD-E8DD829BFAFE}"/>
+              </a:ext>
+            </a:extLst>
+          </p:cNvPr>
+          <p:cNvCxnSpPr>
+            <a:cxnSpLocks/>
+          </p:cNvCxnSpPr>
+          <p:nvPr/>
+        </p:nvCxnSpPr>
+        <p:spPr>
+          <a:xfrm flipV="1">
+            <a:off x="5064883" y="1681681"/>
+            <a:ext cx="0" cy="213807"/>
+          </a:xfrm>
+          <a:prstGeom prst="line">
+            <a:avLst/>
+          </a:prstGeom>
+          <a:noFill/>
+          <a:ln w="28575">
+            <a:solidFill>
+              <a:srgbClr val="5F8FA3"/>
+            </a:solidFill>
+          </a:ln>
+        </p:spPr>
+        <p:style>
+          <a:lnRef idx="2">
+            <a:schemeClr val="accent1">
+              <a:shade val="50000"/>
+            </a:schemeClr>
+          </a:lnRef>
+          <a:fillRef idx="1">
+            <a:schemeClr val="accent1"/>
+          </a:fillRef>
+          <a:effectRef idx="0">
+            <a:schemeClr val="accent1"/>
+          </a:effectRef>
+          <a:fontRef idx="minor">
+            <a:schemeClr val="lt1"/>
+          </a:fontRef>
+        </p:style>
+      </p:cxnSp>
+      <p:cxnSp>
+        <p:nvCxnSpPr>
+          <p:cNvPr id="29" name="Straight Connector 28">
+            <a:extLst>
+              <a:ext uri="{FF2B5EF4-FFF2-40B4-BE49-F238E27FC236}">
+                <a16:creationId xmlns:a16="http://schemas.microsoft.com/office/drawing/2014/main" id="{A27D4B1E-FA00-45E3-ADEE-5F6129CA64EE}"/>
+              </a:ext>
+            </a:extLst>
+          </p:cNvPr>
+          <p:cNvCxnSpPr>
+            <a:cxnSpLocks/>
+          </p:cNvCxnSpPr>
+          <p:nvPr/>
+        </p:nvCxnSpPr>
+        <p:spPr>
+          <a:xfrm flipH="1">
+            <a:off x="5134083" y="1351550"/>
+            <a:ext cx="3341" cy="634511"/>
+          </a:xfrm>
+          <a:prstGeom prst="line">
+            <a:avLst/>
+          </a:prstGeom>
+          <a:ln w="12700">
+            <a:solidFill>
+              <a:schemeClr val="tx1"/>
+            </a:solidFill>
+            <a:prstDash val="dash"/>
+          </a:ln>
+        </p:spPr>
+        <p:style>
+          <a:lnRef idx="1">
+            <a:schemeClr val="accent1"/>
+          </a:lnRef>
+          <a:fillRef idx="0">
+            <a:schemeClr val="accent1"/>
+          </a:fillRef>
+          <a:effectRef idx="0">
+            <a:schemeClr val="accent1"/>
+          </a:effectRef>
+          <a:fontRef idx="minor">
+            <a:schemeClr val="tx1"/>
+          </a:fontRef>
+        </p:style>
+      </p:cxnSp>
+      <p:cxnSp>
+        <p:nvCxnSpPr>
+          <p:cNvPr id="33" name="Straight Connector 32">
+            <a:extLst>
+              <a:ext uri="{FF2B5EF4-FFF2-40B4-BE49-F238E27FC236}">
+                <a16:creationId xmlns:a16="http://schemas.microsoft.com/office/drawing/2014/main" id="{5AF7BBD9-7FF7-C2E7-93A7-B8EA0978BFD7}"/>
+              </a:ext>
+            </a:extLst>
+          </p:cNvPr>
+          <p:cNvCxnSpPr>
+            <a:cxnSpLocks/>
+          </p:cNvCxnSpPr>
+          <p:nvPr/>
+        </p:nvCxnSpPr>
+        <p:spPr>
+          <a:xfrm flipH="1" flipV="1">
+            <a:off x="4955078" y="1478683"/>
+            <a:ext cx="644" cy="159231"/>
+          </a:xfrm>
+          <a:prstGeom prst="line">
+            <a:avLst/>
+          </a:prstGeom>
+          <a:noFill/>
+          <a:ln w="28575">
+            <a:solidFill>
+              <a:srgbClr val="5F8FA3"/>
+            </a:solidFill>
+          </a:ln>
+        </p:spPr>
+        <p:style>
+          <a:lnRef idx="2">
+            <a:schemeClr val="accent1">
+              <a:shade val="50000"/>
+            </a:schemeClr>
+          </a:lnRef>
+          <a:fillRef idx="1">
+            <a:schemeClr val="accent1"/>
+          </a:fillRef>
+          <a:effectRef idx="0">
+            <a:schemeClr val="accent1"/>
+          </a:effectRef>
+          <a:fontRef idx="minor">
+            <a:schemeClr val="lt1"/>
+          </a:fontRef>
+        </p:style>
+      </p:cxnSp>
+      <p:sp>
+        <p:nvSpPr>
+          <p:cNvPr id="36" name="Arc 35">
+            <a:extLst>
+              <a:ext uri="{FF2B5EF4-FFF2-40B4-BE49-F238E27FC236}">
+                <a16:creationId xmlns:a16="http://schemas.microsoft.com/office/drawing/2014/main" id="{CE1179D7-22EE-3331-D692-785F255770C0}"/>
+              </a:ext>
+            </a:extLst>
+          </p:cNvPr>
+          <p:cNvSpPr/>
+          <p:nvPr/>
+        </p:nvSpPr>
+        <p:spPr>
+          <a:xfrm flipV="1">
+            <a:off x="4941092" y="1504861"/>
+            <a:ext cx="382905" cy="172854"/>
+          </a:xfrm>
+          <a:prstGeom prst="arc">
+            <a:avLst>
+              <a:gd name="adj1" fmla="val 11307023"/>
+              <a:gd name="adj2" fmla="val 0"/>
+            </a:avLst>
+          </a:prstGeom>
+          <a:noFill/>
+          <a:ln w="28575">
+            <a:solidFill>
+              <a:srgbClr val="5F8FA3"/>
+            </a:solidFill>
+          </a:ln>
+        </p:spPr>
+        <p:style>
+          <a:lnRef idx="2">
+            <a:schemeClr val="accent1">
+              <a:shade val="50000"/>
+            </a:schemeClr>
+          </a:lnRef>
+          <a:fillRef idx="1">
+            <a:schemeClr val="accent1"/>
+          </a:fillRef>
+          <a:effectRef idx="0">
+            <a:schemeClr val="accent1"/>
+          </a:effectRef>
+          <a:fontRef idx="minor">
+            <a:schemeClr val="lt1"/>
+          </a:fontRef>
+        </p:style>
+        <p:txBody>
+          <a:bodyPr rtlCol="0" anchor="ctr"/>
+          <a:lstStyle/>
+          <a:p>
+            <a:pPr algn="ctr"/>
+            <a:endParaRPr lang="en-US">
+              <a:solidFill>
+                <a:schemeClr val="lt1"/>
+              </a:solidFill>
+            </a:endParaRPr>
+          </a:p>
+        </p:txBody>
+      </p:sp>
+      <p:sp>
+        <p:nvSpPr>
+          <p:cNvPr id="38" name="Arc 37">
+            <a:extLst>
+              <a:ext uri="{FF2B5EF4-FFF2-40B4-BE49-F238E27FC236}">
+                <a16:creationId xmlns:a16="http://schemas.microsoft.com/office/drawing/2014/main" id="{C5E509E6-EDA2-2DB6-0D1B-DA6F32220F08}"/>
+              </a:ext>
+            </a:extLst>
+          </p:cNvPr>
+          <p:cNvSpPr/>
+          <p:nvPr/>
+        </p:nvSpPr>
+        <p:spPr>
+          <a:xfrm flipV="1">
+            <a:off x="5064883" y="1843176"/>
+            <a:ext cx="138399" cy="89840"/>
+          </a:xfrm>
+          <a:prstGeom prst="arc">
+            <a:avLst>
+              <a:gd name="adj1" fmla="val 11307023"/>
+              <a:gd name="adj2" fmla="val 0"/>
+            </a:avLst>
+          </a:prstGeom>
+          <a:noFill/>
+          <a:ln w="28575">
+            <a:solidFill>
+              <a:srgbClr val="5F8FA3"/>
+            </a:solidFill>
+          </a:ln>
+        </p:spPr>
+        <p:style>
+          <a:lnRef idx="2">
+            <a:schemeClr val="accent1">
+              <a:shade val="50000"/>
+            </a:schemeClr>
+          </a:lnRef>
+          <a:fillRef idx="1">
+            <a:schemeClr val="accent1"/>
+          </a:fillRef>
+          <a:effectRef idx="0">
+            <a:schemeClr val="accent1"/>
+          </a:effectRef>
+          <a:fontRef idx="minor">
+            <a:schemeClr val="lt1"/>
+          </a:fontRef>
+        </p:style>
+        <p:txBody>
+          <a:bodyPr rtlCol="0" anchor="ctr"/>
+          <a:lstStyle/>
+          <a:p>
+            <a:pPr algn="ctr"/>
+            <a:endParaRPr lang="en-US">
+              <a:solidFill>
+                <a:schemeClr val="lt1"/>
+              </a:solidFill>
+            </a:endParaRPr>
+          </a:p>
+        </p:txBody>
+      </p:sp>
+      <p:sp>
+        <p:nvSpPr>
+          <p:cNvPr id="40" name="Rechthoek: afgeronde hoeken 1">
+            <a:extLst>
+              <a:ext uri="{FF2B5EF4-FFF2-40B4-BE49-F238E27FC236}">
+                <a16:creationId xmlns:a16="http://schemas.microsoft.com/office/drawing/2014/main" id="{341F9C28-23FD-E292-82E5-0D45CDCA07D5}"/>
+              </a:ext>
+            </a:extLst>
+          </p:cNvPr>
+          <p:cNvSpPr/>
+          <p:nvPr/>
+        </p:nvSpPr>
+        <p:spPr>
+          <a:xfrm>
+            <a:off x="1972458" y="1312723"/>
+            <a:ext cx="722299" cy="729984"/>
+          </a:xfrm>
+          <a:prstGeom prst="roundRect">
+            <a:avLst/>
+          </a:prstGeom>
+          <a:noFill/>
+          <a:ln>
+            <a:solidFill>
+              <a:schemeClr val="bg1">
+                <a:lumMod val="50000"/>
+              </a:schemeClr>
+            </a:solidFill>
+          </a:ln>
+        </p:spPr>
+        <p:style>
+          <a:lnRef idx="2">
+            <a:schemeClr val="accent1">
+              <a:shade val="50000"/>
+            </a:schemeClr>
+          </a:lnRef>
+          <a:fillRef idx="1">
+            <a:schemeClr val="accent1"/>
+          </a:fillRef>
+          <a:effectRef idx="0">
+            <a:schemeClr val="accent1"/>
+          </a:effectRef>
+          <a:fontRef idx="minor">
+            <a:schemeClr val="lt1"/>
+          </a:fontRef>
+        </p:style>
+        <p:txBody>
+          <a:bodyPr rtlCol="0" anchor="ctr"/>
+          <a:lstStyle/>
+          <a:p>
+            <a:pPr algn="ctr"/>
+            <a:endParaRPr lang="en-US"/>
+          </a:p>
+        </p:txBody>
+      </p:sp>
+      <p:sp>
+        <p:nvSpPr>
+          <p:cNvPr id="41" name="Tekstvak 7">
+            <a:extLst>
+              <a:ext uri="{FF2B5EF4-FFF2-40B4-BE49-F238E27FC236}">
+                <a16:creationId xmlns:a16="http://schemas.microsoft.com/office/drawing/2014/main" id="{2320A8C9-CA83-2385-862E-F69DC5C503F1}"/>
+              </a:ext>
+            </a:extLst>
+          </p:cNvPr>
+          <p:cNvSpPr txBox="1"/>
+          <p:nvPr/>
+        </p:nvSpPr>
+        <p:spPr>
+          <a:xfrm>
+            <a:off x="1972458" y="2068251"/>
+            <a:ext cx="723275" cy="261610"/>
+          </a:xfrm>
+          <a:prstGeom prst="rect">
+            <a:avLst/>
+          </a:prstGeom>
+          <a:noFill/>
+        </p:spPr>
+        <p:txBody>
+          <a:bodyPr wrap="none" rtlCol="0">
+            <a:spAutoFit/>
+          </a:bodyPr>
+          <a:lstStyle/>
+          <a:p>
+            <a:r>
+              <a:rPr lang="en-US" sz="1100" dirty="0">
+                <a:latin typeface="Consolas" panose="020B0609020204030204" pitchFamily="49" charset="0"/>
+              </a:rPr>
+              <a:t>.face()</a:t>
+            </a:r>
+            <a:endParaRPr lang="en-US" dirty="0">
+              <a:latin typeface="Consolas" panose="020B0609020204030204" pitchFamily="49" charset="0"/>
+            </a:endParaRPr>
+          </a:p>
+        </p:txBody>
+      </p:sp>
+      <p:sp>
+        <p:nvSpPr>
+          <p:cNvPr id="47" name="Freeform 46">
+            <a:extLst>
+              <a:ext uri="{FF2B5EF4-FFF2-40B4-BE49-F238E27FC236}">
+                <a16:creationId xmlns:a16="http://schemas.microsoft.com/office/drawing/2014/main" id="{4613C6FD-A225-2577-0819-D4BA96EC0212}"/>
+              </a:ext>
+            </a:extLst>
+          </p:cNvPr>
+          <p:cNvSpPr/>
+          <p:nvPr/>
+        </p:nvSpPr>
+        <p:spPr>
+          <a:xfrm>
+            <a:off x="2080655" y="1436766"/>
+            <a:ext cx="513184" cy="513183"/>
+          </a:xfrm>
+          <a:custGeom>
+            <a:avLst/>
+            <a:gdLst>
+              <a:gd name="connsiteX0" fmla="*/ 102637 w 513184"/>
+              <a:gd name="connsiteY0" fmla="*/ 23326 h 513183"/>
+              <a:gd name="connsiteX1" fmla="*/ 0 w 513184"/>
+              <a:gd name="connsiteY1" fmla="*/ 149290 h 513183"/>
+              <a:gd name="connsiteX2" fmla="*/ 4666 w 513184"/>
+              <a:gd name="connsiteY2" fmla="*/ 377890 h 513183"/>
+              <a:gd name="connsiteX3" fmla="*/ 191278 w 513184"/>
+              <a:gd name="connsiteY3" fmla="*/ 513183 h 513183"/>
+              <a:gd name="connsiteX4" fmla="*/ 419878 w 513184"/>
+              <a:gd name="connsiteY4" fmla="*/ 508518 h 513183"/>
+              <a:gd name="connsiteX5" fmla="*/ 513184 w 513184"/>
+              <a:gd name="connsiteY5" fmla="*/ 415212 h 513183"/>
+              <a:gd name="connsiteX6" fmla="*/ 508519 w 513184"/>
+              <a:gd name="connsiteY6" fmla="*/ 233265 h 513183"/>
+              <a:gd name="connsiteX7" fmla="*/ 298580 w 513184"/>
+              <a:gd name="connsiteY7" fmla="*/ 242596 h 513183"/>
+              <a:gd name="connsiteX8" fmla="*/ 298580 w 513184"/>
+              <a:gd name="connsiteY8" fmla="*/ 0 h 513183"/>
+              <a:gd name="connsiteX9" fmla="*/ 102637 w 513184"/>
+              <a:gd name="connsiteY9" fmla="*/ 23326 h 513183"/>
+            </a:gdLst>
+            <a:ahLst/>
+            <a:cxnLst>
+              <a:cxn ang="0">
+                <a:pos x="connsiteX0" y="connsiteY0"/>
+              </a:cxn>
+              <a:cxn ang="0">
+                <a:pos x="connsiteX1" y="connsiteY1"/>
+              </a:cxn>
+              <a:cxn ang="0">
+                <a:pos x="connsiteX2" y="connsiteY2"/>
+              </a:cxn>
+              <a:cxn ang="0">
+                <a:pos x="connsiteX3" y="connsiteY3"/>
+              </a:cxn>
+              <a:cxn ang="0">
+                <a:pos x="connsiteX4" y="connsiteY4"/>
+              </a:cxn>
+              <a:cxn ang="0">
+                <a:pos x="connsiteX5" y="connsiteY5"/>
+              </a:cxn>
+              <a:cxn ang="0">
+                <a:pos x="connsiteX6" y="connsiteY6"/>
+              </a:cxn>
+              <a:cxn ang="0">
+                <a:pos x="connsiteX7" y="connsiteY7"/>
+              </a:cxn>
+              <a:cxn ang="0">
+                <a:pos x="connsiteX8" y="connsiteY8"/>
+              </a:cxn>
+              <a:cxn ang="0">
+                <a:pos x="connsiteX9" y="connsiteY9"/>
+              </a:cxn>
+            </a:cxnLst>
+            <a:rect l="l" t="t" r="r" b="b"/>
+            <a:pathLst>
+              <a:path w="513184" h="513183">
+                <a:moveTo>
+                  <a:pt x="102637" y="23326"/>
+                </a:moveTo>
+                <a:lnTo>
+                  <a:pt x="0" y="149290"/>
+                </a:lnTo>
+                <a:cubicBezTo>
+                  <a:pt x="1555" y="225490"/>
+                  <a:pt x="3111" y="301690"/>
+                  <a:pt x="4666" y="377890"/>
+                </a:cubicBezTo>
+                <a:lnTo>
+                  <a:pt x="191278" y="513183"/>
+                </a:lnTo>
+                <a:lnTo>
+                  <a:pt x="419878" y="508518"/>
+                </a:lnTo>
+                <a:lnTo>
+                  <a:pt x="513184" y="415212"/>
+                </a:lnTo>
+                <a:lnTo>
+                  <a:pt x="508519" y="233265"/>
+                </a:lnTo>
+                <a:lnTo>
+                  <a:pt x="298580" y="242596"/>
+                </a:lnTo>
+                <a:lnTo>
+                  <a:pt x="298580" y="0"/>
+                </a:lnTo>
+                <a:lnTo>
+                  <a:pt x="102637" y="23326"/>
+                </a:lnTo>
+                <a:close/>
+              </a:path>
+            </a:pathLst>
+          </a:custGeom>
+          <a:solidFill>
+            <a:srgbClr val="C5D6DD"/>
+          </a:solidFill>
+          <a:ln w="19050">
+            <a:solidFill>
+              <a:schemeClr val="tx1"/>
+            </a:solidFill>
+          </a:ln>
+        </p:spPr>
+        <p:style>
+          <a:lnRef idx="2">
+            <a:schemeClr val="accent1">
+              <a:shade val="50000"/>
+            </a:schemeClr>
+          </a:lnRef>
+          <a:fillRef idx="1">
+            <a:schemeClr val="accent1"/>
+          </a:fillRef>
+          <a:effectRef idx="0">
+            <a:schemeClr val="accent1"/>
+          </a:effectRef>
+          <a:fontRef idx="minor">
+            <a:schemeClr val="lt1"/>
+          </a:fontRef>
+        </p:style>
+        <p:txBody>
+          <a:bodyPr rtlCol="0" anchor="ctr"/>
+          <a:lstStyle/>
+          <a:p>
+            <a:pPr algn="ctr"/>
+            <a:endParaRPr lang="en-US"/>
+          </a:p>
+        </p:txBody>
+      </p:sp>
+      <p:sp>
+        <p:nvSpPr>
+          <p:cNvPr id="49" name="Rechthoek: afgeronde hoeken 1">
+            <a:extLst>
+              <a:ext uri="{FF2B5EF4-FFF2-40B4-BE49-F238E27FC236}">
+                <a16:creationId xmlns:a16="http://schemas.microsoft.com/office/drawing/2014/main" id="{1661419D-3CD6-5E3D-E0EB-EBA4FAB575F6}"/>
+              </a:ext>
+            </a:extLst>
+          </p:cNvPr>
+          <p:cNvSpPr/>
+          <p:nvPr/>
+        </p:nvSpPr>
+        <p:spPr>
+          <a:xfrm>
+            <a:off x="6177726" y="1312723"/>
+            <a:ext cx="722299" cy="729984"/>
+          </a:xfrm>
+          <a:prstGeom prst="roundRect">
+            <a:avLst/>
+          </a:prstGeom>
+          <a:noFill/>
+          <a:ln>
+            <a:solidFill>
+              <a:schemeClr val="bg1">
+                <a:lumMod val="50000"/>
+              </a:schemeClr>
+            </a:solidFill>
+          </a:ln>
+        </p:spPr>
+        <p:style>
+          <a:lnRef idx="2">
+            <a:schemeClr val="accent1">
+              <a:shade val="50000"/>
+            </a:schemeClr>
+          </a:lnRef>
+          <a:fillRef idx="1">
+            <a:schemeClr val="accent1"/>
+          </a:fillRef>
+          <a:effectRef idx="0">
+            <a:schemeClr val="accent1"/>
+          </a:effectRef>
+          <a:fontRef idx="minor">
+            <a:schemeClr val="lt1"/>
+          </a:fontRef>
+        </p:style>
+        <p:txBody>
+          <a:bodyPr rtlCol="0" anchor="ctr"/>
+          <a:lstStyle/>
+          <a:p>
+            <a:pPr algn="ctr"/>
+            <a:endParaRPr lang="en-US"/>
+          </a:p>
+        </p:txBody>
+      </p:sp>
+      <p:sp>
+        <p:nvSpPr>
+          <p:cNvPr id="56" name="Oval 55">
+            <a:extLst>
+              <a:ext uri="{FF2B5EF4-FFF2-40B4-BE49-F238E27FC236}">
+                <a16:creationId xmlns:a16="http://schemas.microsoft.com/office/drawing/2014/main" id="{A4BB6F1A-2F42-FED5-0240-76386273561A}"/>
+              </a:ext>
+            </a:extLst>
+          </p:cNvPr>
+          <p:cNvSpPr/>
+          <p:nvPr/>
+        </p:nvSpPr>
+        <p:spPr>
+          <a:xfrm rot="16200000">
+            <a:off x="6546889" y="1640569"/>
+            <a:ext cx="382905" cy="129945"/>
+          </a:xfrm>
+          <a:prstGeom prst="ellipse">
+            <a:avLst/>
+          </a:prstGeom>
+          <a:noFill/>
+          <a:ln w="28575">
+            <a:solidFill>
+              <a:schemeClr val="tx1"/>
+            </a:solidFill>
+          </a:ln>
+        </p:spPr>
+        <p:style>
+          <a:lnRef idx="2">
+            <a:schemeClr val="accent1">
+              <a:shade val="50000"/>
+            </a:schemeClr>
+          </a:lnRef>
+          <a:fillRef idx="1">
+            <a:schemeClr val="accent1"/>
+          </a:fillRef>
+          <a:effectRef idx="0">
+            <a:schemeClr val="accent1"/>
+          </a:effectRef>
+          <a:fontRef idx="minor">
+            <a:schemeClr val="lt1"/>
+          </a:fontRef>
+        </p:style>
+        <p:txBody>
+          <a:bodyPr rtlCol="0" anchor="ctr"/>
+          <a:lstStyle/>
+          <a:p>
+            <a:pPr algn="ctr"/>
+            <a:endParaRPr lang="en-US"/>
+          </a:p>
+        </p:txBody>
+      </p:sp>
+      <p:sp>
+        <p:nvSpPr>
+          <p:cNvPr id="57" name="Oval 56">
+            <a:extLst>
+              <a:ext uri="{FF2B5EF4-FFF2-40B4-BE49-F238E27FC236}">
+                <a16:creationId xmlns:a16="http://schemas.microsoft.com/office/drawing/2014/main" id="{23D8CBF7-2B7A-C369-2E09-175E59EE6C00}"/>
+              </a:ext>
+            </a:extLst>
+          </p:cNvPr>
+          <p:cNvSpPr/>
+          <p:nvPr/>
+        </p:nvSpPr>
+        <p:spPr>
+          <a:xfrm rot="16200000">
+            <a:off x="6394443" y="1677761"/>
+            <a:ext cx="268689" cy="95742"/>
+          </a:xfrm>
+          <a:prstGeom prst="ellipse">
+            <a:avLst/>
+          </a:prstGeom>
+          <a:noFill/>
+          <a:ln w="28575">
+            <a:solidFill>
+              <a:schemeClr val="tx1"/>
+            </a:solidFill>
+          </a:ln>
+        </p:spPr>
+        <p:style>
+          <a:lnRef idx="2">
+            <a:schemeClr val="accent1">
+              <a:shade val="50000"/>
+            </a:schemeClr>
+          </a:lnRef>
+          <a:fillRef idx="1">
+            <a:schemeClr val="accent1"/>
+          </a:fillRef>
+          <a:effectRef idx="0">
+            <a:schemeClr val="accent1"/>
+          </a:effectRef>
+          <a:fontRef idx="minor">
+            <a:schemeClr val="lt1"/>
+          </a:fontRef>
+        </p:style>
+        <p:txBody>
+          <a:bodyPr rtlCol="0" anchor="ctr"/>
+          <a:lstStyle/>
+          <a:p>
+            <a:pPr algn="ctr"/>
+            <a:endParaRPr lang="en-US"/>
+          </a:p>
+        </p:txBody>
+      </p:sp>
+      <p:sp>
+        <p:nvSpPr>
+          <p:cNvPr id="58" name="Oval 57">
+            <a:extLst>
+              <a:ext uri="{FF2B5EF4-FFF2-40B4-BE49-F238E27FC236}">
+                <a16:creationId xmlns:a16="http://schemas.microsoft.com/office/drawing/2014/main" id="{8C165334-2235-D501-4297-269581D3F2FB}"/>
+              </a:ext>
+            </a:extLst>
+          </p:cNvPr>
+          <p:cNvSpPr/>
+          <p:nvPr/>
+        </p:nvSpPr>
+        <p:spPr>
+          <a:xfrm rot="16200000">
+            <a:off x="6169218" y="1666017"/>
+            <a:ext cx="353682" cy="124634"/>
+          </a:xfrm>
+          <a:prstGeom prst="ellipse">
+            <a:avLst/>
+          </a:prstGeom>
+          <a:noFill/>
+          <a:ln w="28575">
+            <a:solidFill>
+              <a:schemeClr val="tx1"/>
+            </a:solidFill>
+          </a:ln>
+        </p:spPr>
+        <p:style>
+          <a:lnRef idx="2">
+            <a:schemeClr val="accent1">
+              <a:shade val="50000"/>
+            </a:schemeClr>
+          </a:lnRef>
+          <a:fillRef idx="1">
+            <a:schemeClr val="accent1"/>
+          </a:fillRef>
+          <a:effectRef idx="0">
+            <a:schemeClr val="accent1"/>
+          </a:effectRef>
+          <a:fontRef idx="minor">
+            <a:schemeClr val="lt1"/>
+          </a:fontRef>
+        </p:style>
+        <p:txBody>
+          <a:bodyPr rtlCol="0" anchor="ctr"/>
+          <a:lstStyle/>
+          <a:p>
+            <a:pPr algn="ctr"/>
+            <a:endParaRPr lang="en-US"/>
+          </a:p>
+        </p:txBody>
+      </p:sp>
+      <p:sp>
+        <p:nvSpPr>
+          <p:cNvPr id="60" name="Freeform 59">
+            <a:extLst>
+              <a:ext uri="{FF2B5EF4-FFF2-40B4-BE49-F238E27FC236}">
+                <a16:creationId xmlns:a16="http://schemas.microsoft.com/office/drawing/2014/main" id="{ED19AA56-BB92-B1A1-2995-638C76DF9764}"/>
+              </a:ext>
+            </a:extLst>
+          </p:cNvPr>
+          <p:cNvSpPr/>
+          <p:nvPr/>
+        </p:nvSpPr>
+        <p:spPr>
+          <a:xfrm>
+            <a:off x="6349275" y="1506894"/>
+            <a:ext cx="391886" cy="75197"/>
+          </a:xfrm>
+          <a:custGeom>
+            <a:avLst/>
+            <a:gdLst>
+              <a:gd name="connsiteX0" fmla="*/ 0 w 391886"/>
+              <a:gd name="connsiteY0" fmla="*/ 27992 h 75197"/>
+              <a:gd name="connsiteX1" fmla="*/ 186612 w 391886"/>
+              <a:gd name="connsiteY1" fmla="*/ 74645 h 75197"/>
+              <a:gd name="connsiteX2" fmla="*/ 391886 w 391886"/>
+              <a:gd name="connsiteY2" fmla="*/ 0 h 75197"/>
+            </a:gdLst>
+            <a:ahLst/>
+            <a:cxnLst>
+              <a:cxn ang="0">
+                <a:pos x="connsiteX0" y="connsiteY0"/>
+              </a:cxn>
+              <a:cxn ang="0">
+                <a:pos x="connsiteX1" y="connsiteY1"/>
+              </a:cxn>
+              <a:cxn ang="0">
+                <a:pos x="connsiteX2" y="connsiteY2"/>
+              </a:cxn>
+            </a:cxnLst>
+            <a:rect l="l" t="t" r="r" b="b"/>
+            <a:pathLst>
+              <a:path w="391886" h="75197">
+                <a:moveTo>
+                  <a:pt x="0" y="27992"/>
+                </a:moveTo>
+                <a:cubicBezTo>
+                  <a:pt x="60649" y="53651"/>
+                  <a:pt x="121298" y="79310"/>
+                  <a:pt x="186612" y="74645"/>
+                </a:cubicBezTo>
+                <a:cubicBezTo>
+                  <a:pt x="251926" y="69980"/>
+                  <a:pt x="321906" y="34990"/>
+                  <a:pt x="391886" y="0"/>
+                </a:cubicBezTo>
+              </a:path>
+            </a:pathLst>
+          </a:custGeom>
+          <a:noFill/>
+          <a:ln w="28575">
+            <a:solidFill>
+              <a:srgbClr val="5F8FA3"/>
+            </a:solidFill>
+          </a:ln>
+        </p:spPr>
+        <p:style>
+          <a:lnRef idx="2">
+            <a:schemeClr val="accent1">
+              <a:shade val="50000"/>
+            </a:schemeClr>
+          </a:lnRef>
+          <a:fillRef idx="1">
+            <a:schemeClr val="accent1"/>
+          </a:fillRef>
+          <a:effectRef idx="0">
+            <a:schemeClr val="accent1"/>
+          </a:effectRef>
+          <a:fontRef idx="minor">
+            <a:schemeClr val="lt1"/>
+          </a:fontRef>
+        </p:style>
+        <p:txBody>
+          <a:bodyPr rtlCol="0" anchor="ctr"/>
+          <a:lstStyle/>
+          <a:p>
+            <a:pPr algn="ctr"/>
+            <a:endParaRPr lang="en-US"/>
+          </a:p>
+        </p:txBody>
+      </p:sp>
+      <p:sp>
+        <p:nvSpPr>
+          <p:cNvPr id="61" name="Freeform 60">
+            <a:extLst>
+              <a:ext uri="{FF2B5EF4-FFF2-40B4-BE49-F238E27FC236}">
+                <a16:creationId xmlns:a16="http://schemas.microsoft.com/office/drawing/2014/main" id="{DD5ECD7A-AD71-5E0C-C7D4-E268DABB5C08}"/>
+              </a:ext>
+            </a:extLst>
+          </p:cNvPr>
+          <p:cNvSpPr/>
+          <p:nvPr/>
+        </p:nvSpPr>
+        <p:spPr>
+          <a:xfrm>
+            <a:off x="6358605" y="1861457"/>
+            <a:ext cx="377890" cy="41988"/>
+          </a:xfrm>
+          <a:custGeom>
+            <a:avLst/>
+            <a:gdLst>
+              <a:gd name="connsiteX0" fmla="*/ 0 w 377890"/>
+              <a:gd name="connsiteY0" fmla="*/ 41988 h 41988"/>
+              <a:gd name="connsiteX1" fmla="*/ 177282 w 377890"/>
+              <a:gd name="connsiteY1" fmla="*/ 0 h 41988"/>
+              <a:gd name="connsiteX2" fmla="*/ 377890 w 377890"/>
+              <a:gd name="connsiteY2" fmla="*/ 41988 h 41988"/>
+            </a:gdLst>
+            <a:ahLst/>
+            <a:cxnLst>
+              <a:cxn ang="0">
+                <a:pos x="connsiteX0" y="connsiteY0"/>
+              </a:cxn>
+              <a:cxn ang="0">
+                <a:pos x="connsiteX1" y="connsiteY1"/>
+              </a:cxn>
+              <a:cxn ang="0">
+                <a:pos x="connsiteX2" y="connsiteY2"/>
+              </a:cxn>
+            </a:cxnLst>
+            <a:rect l="l" t="t" r="r" b="b"/>
+            <a:pathLst>
+              <a:path w="377890" h="41988">
+                <a:moveTo>
+                  <a:pt x="0" y="41988"/>
+                </a:moveTo>
+                <a:cubicBezTo>
+                  <a:pt x="57150" y="20994"/>
+                  <a:pt x="114300" y="0"/>
+                  <a:pt x="177282" y="0"/>
+                </a:cubicBezTo>
+                <a:cubicBezTo>
+                  <a:pt x="240264" y="0"/>
+                  <a:pt x="309077" y="20994"/>
+                  <a:pt x="377890" y="41988"/>
+                </a:cubicBezTo>
+              </a:path>
+            </a:pathLst>
+          </a:custGeom>
+          <a:noFill/>
+          <a:ln w="28575">
+            <a:solidFill>
+              <a:srgbClr val="5F8FA3"/>
+            </a:solidFill>
+          </a:ln>
+        </p:spPr>
+        <p:style>
+          <a:lnRef idx="2">
+            <a:schemeClr val="accent1">
+              <a:shade val="50000"/>
+            </a:schemeClr>
+          </a:lnRef>
+          <a:fillRef idx="1">
+            <a:schemeClr val="accent1"/>
+          </a:fillRef>
+          <a:effectRef idx="0">
+            <a:schemeClr val="accent1"/>
+          </a:effectRef>
+          <a:fontRef idx="minor">
+            <a:schemeClr val="lt1"/>
+          </a:fontRef>
+        </p:style>
+        <p:txBody>
+          <a:bodyPr rtlCol="0" anchor="ctr"/>
+          <a:lstStyle/>
+          <a:p>
+            <a:pPr algn="ctr"/>
+            <a:endParaRPr lang="en-US"/>
+          </a:p>
+        </p:txBody>
+      </p:sp>
+      <p:sp>
+        <p:nvSpPr>
+          <p:cNvPr id="62" name="Freeform 61">
+            <a:extLst>
+              <a:ext uri="{FF2B5EF4-FFF2-40B4-BE49-F238E27FC236}">
+                <a16:creationId xmlns:a16="http://schemas.microsoft.com/office/drawing/2014/main" id="{5D7754A9-F56B-2318-2B87-26746352469C}"/>
+              </a:ext>
+            </a:extLst>
+          </p:cNvPr>
+          <p:cNvSpPr/>
+          <p:nvPr/>
+        </p:nvSpPr>
+        <p:spPr>
+          <a:xfrm>
+            <a:off x="6349846" y="1501421"/>
+            <a:ext cx="453001" cy="416965"/>
+          </a:xfrm>
+          <a:custGeom>
+            <a:avLst/>
+            <a:gdLst>
+              <a:gd name="connsiteX0" fmla="*/ 386649 w 453001"/>
+              <a:gd name="connsiteY0" fmla="*/ 808 h 416965"/>
+              <a:gd name="connsiteX1" fmla="*/ 451964 w 453001"/>
+              <a:gd name="connsiteY1" fmla="*/ 150097 h 416965"/>
+              <a:gd name="connsiteX2" fmla="*/ 423972 w 453001"/>
+              <a:gd name="connsiteY2" fmla="*/ 313383 h 416965"/>
+              <a:gd name="connsiteX3" fmla="*/ 386649 w 453001"/>
+              <a:gd name="connsiteY3" fmla="*/ 397359 h 416965"/>
+              <a:gd name="connsiteX4" fmla="*/ 242025 w 453001"/>
+              <a:gd name="connsiteY4" fmla="*/ 369367 h 416965"/>
+              <a:gd name="connsiteX5" fmla="*/ 176710 w 453001"/>
+              <a:gd name="connsiteY5" fmla="*/ 364701 h 416965"/>
+              <a:gd name="connsiteX6" fmla="*/ 4094 w 453001"/>
+              <a:gd name="connsiteY6" fmla="*/ 416020 h 416965"/>
+              <a:gd name="connsiteX7" fmla="*/ 55413 w 453001"/>
+              <a:gd name="connsiteY7" fmla="*/ 313383 h 416965"/>
+              <a:gd name="connsiteX8" fmla="*/ 69408 w 453001"/>
+              <a:gd name="connsiteY8" fmla="*/ 178089 h 416965"/>
+              <a:gd name="connsiteX9" fmla="*/ 50747 w 453001"/>
+              <a:gd name="connsiteY9" fmla="*/ 94114 h 416965"/>
+              <a:gd name="connsiteX10" fmla="*/ 4094 w 453001"/>
+              <a:gd name="connsiteY10" fmla="*/ 42795 h 416965"/>
+              <a:gd name="connsiteX11" fmla="*/ 120727 w 453001"/>
+              <a:gd name="connsiteY11" fmla="*/ 75452 h 416965"/>
+              <a:gd name="connsiteX12" fmla="*/ 246690 w 453001"/>
+              <a:gd name="connsiteY12" fmla="*/ 89448 h 416965"/>
+              <a:gd name="connsiteX13" fmla="*/ 386649 w 453001"/>
+              <a:gd name="connsiteY13" fmla="*/ 808 h 416965"/>
+            </a:gdLst>
+            <a:ahLst/>
+            <a:cxnLst>
+              <a:cxn ang="0">
+                <a:pos x="connsiteX0" y="connsiteY0"/>
+              </a:cxn>
+              <a:cxn ang="0">
+                <a:pos x="connsiteX1" y="connsiteY1"/>
+              </a:cxn>
+              <a:cxn ang="0">
+                <a:pos x="connsiteX2" y="connsiteY2"/>
+              </a:cxn>
+              <a:cxn ang="0">
+                <a:pos x="connsiteX3" y="connsiteY3"/>
+              </a:cxn>
+              <a:cxn ang="0">
+                <a:pos x="connsiteX4" y="connsiteY4"/>
+              </a:cxn>
+              <a:cxn ang="0">
+                <a:pos x="connsiteX5" y="connsiteY5"/>
+              </a:cxn>
+              <a:cxn ang="0">
+                <a:pos x="connsiteX6" y="connsiteY6"/>
+              </a:cxn>
+              <a:cxn ang="0">
+                <a:pos x="connsiteX7" y="connsiteY7"/>
+              </a:cxn>
+              <a:cxn ang="0">
+                <a:pos x="connsiteX8" y="connsiteY8"/>
+              </a:cxn>
+              <a:cxn ang="0">
+                <a:pos x="connsiteX9" y="connsiteY9"/>
+              </a:cxn>
+              <a:cxn ang="0">
+                <a:pos x="connsiteX10" y="connsiteY10"/>
+              </a:cxn>
+              <a:cxn ang="0">
+                <a:pos x="connsiteX11" y="connsiteY11"/>
+              </a:cxn>
+              <a:cxn ang="0">
+                <a:pos x="connsiteX12" y="connsiteY12"/>
+              </a:cxn>
+              <a:cxn ang="0">
+                <a:pos x="connsiteX13" y="connsiteY13"/>
+              </a:cxn>
+            </a:cxnLst>
+            <a:rect l="l" t="t" r="r" b="b"/>
+            <a:pathLst>
+              <a:path w="453001" h="416965">
+                <a:moveTo>
+                  <a:pt x="386649" y="808"/>
+                </a:moveTo>
+                <a:cubicBezTo>
+                  <a:pt x="420861" y="10916"/>
+                  <a:pt x="445744" y="98001"/>
+                  <a:pt x="451964" y="150097"/>
+                </a:cubicBezTo>
+                <a:cubicBezTo>
+                  <a:pt x="458184" y="202193"/>
+                  <a:pt x="434858" y="272173"/>
+                  <a:pt x="423972" y="313383"/>
+                </a:cubicBezTo>
+                <a:cubicBezTo>
+                  <a:pt x="413086" y="354593"/>
+                  <a:pt x="416973" y="388028"/>
+                  <a:pt x="386649" y="397359"/>
+                </a:cubicBezTo>
+                <a:cubicBezTo>
+                  <a:pt x="356325" y="406690"/>
+                  <a:pt x="277015" y="374810"/>
+                  <a:pt x="242025" y="369367"/>
+                </a:cubicBezTo>
+                <a:cubicBezTo>
+                  <a:pt x="207035" y="363924"/>
+                  <a:pt x="216365" y="356926"/>
+                  <a:pt x="176710" y="364701"/>
+                </a:cubicBezTo>
+                <a:cubicBezTo>
+                  <a:pt x="137055" y="372476"/>
+                  <a:pt x="24310" y="424573"/>
+                  <a:pt x="4094" y="416020"/>
+                </a:cubicBezTo>
+                <a:cubicBezTo>
+                  <a:pt x="-16122" y="407467"/>
+                  <a:pt x="44527" y="353038"/>
+                  <a:pt x="55413" y="313383"/>
+                </a:cubicBezTo>
+                <a:cubicBezTo>
+                  <a:pt x="66299" y="273728"/>
+                  <a:pt x="70186" y="214634"/>
+                  <a:pt x="69408" y="178089"/>
+                </a:cubicBezTo>
+                <a:cubicBezTo>
+                  <a:pt x="68630" y="141544"/>
+                  <a:pt x="61633" y="116663"/>
+                  <a:pt x="50747" y="94114"/>
+                </a:cubicBezTo>
+                <a:cubicBezTo>
+                  <a:pt x="39861" y="71565"/>
+                  <a:pt x="-7569" y="45905"/>
+                  <a:pt x="4094" y="42795"/>
+                </a:cubicBezTo>
+                <a:cubicBezTo>
+                  <a:pt x="15757" y="39685"/>
+                  <a:pt x="80294" y="67677"/>
+                  <a:pt x="120727" y="75452"/>
+                </a:cubicBezTo>
+                <a:cubicBezTo>
+                  <a:pt x="161160" y="83227"/>
+                  <a:pt x="202370" y="100334"/>
+                  <a:pt x="246690" y="89448"/>
+                </a:cubicBezTo>
+                <a:cubicBezTo>
+                  <a:pt x="291010" y="78562"/>
+                  <a:pt x="352437" y="-9300"/>
+                  <a:pt x="386649" y="808"/>
+                </a:cubicBezTo>
+                <a:close/>
+              </a:path>
+            </a:pathLst>
+          </a:custGeom>
+          <a:solidFill>
+            <a:srgbClr val="C5D6DD">
+              <a:alpha val="47451"/>
+            </a:srgbClr>
+          </a:solidFill>
+          <a:ln>
+            <a:noFill/>
+          </a:ln>
+        </p:spPr>
+        <p:style>
+          <a:lnRef idx="2">
+            <a:schemeClr val="accent1">
+              <a:shade val="50000"/>
+            </a:schemeClr>
+          </a:lnRef>
+          <a:fillRef idx="1">
+            <a:schemeClr val="accent1"/>
+          </a:fillRef>
+          <a:effectRef idx="0">
+            <a:schemeClr val="accent1"/>
+          </a:effectRef>
+          <a:fontRef idx="minor">
+            <a:schemeClr val="lt1"/>
+          </a:fontRef>
+        </p:style>
+        <p:txBody>
+          <a:bodyPr rtlCol="0" anchor="ctr"/>
+          <a:lstStyle/>
+          <a:p>
+            <a:pPr algn="ctr"/>
+            <a:endParaRPr lang="en-US"/>
+          </a:p>
+        </p:txBody>
+      </p:sp>
+      <p:sp>
+        <p:nvSpPr>
+          <p:cNvPr id="63" name="Tekstvak 7">
+            <a:extLst>
+              <a:ext uri="{FF2B5EF4-FFF2-40B4-BE49-F238E27FC236}">
+                <a16:creationId xmlns:a16="http://schemas.microsoft.com/office/drawing/2014/main" id="{76495030-BD6D-FE49-CE72-CE67804271C3}"/>
+              </a:ext>
+            </a:extLst>
+          </p:cNvPr>
+          <p:cNvSpPr txBox="1"/>
+          <p:nvPr/>
+        </p:nvSpPr>
+        <p:spPr>
+          <a:xfrm>
+            <a:off x="5868460" y="2042707"/>
+            <a:ext cx="1415772" cy="261610"/>
+          </a:xfrm>
+          <a:prstGeom prst="rect">
+            <a:avLst/>
+          </a:prstGeom>
+          <a:noFill/>
+        </p:spPr>
+        <p:txBody>
+          <a:bodyPr wrap="none" rtlCol="0">
+            <a:spAutoFit/>
+          </a:bodyPr>
+          <a:lstStyle/>
+          <a:p>
+            <a:r>
+              <a:rPr lang="en-US" sz="1100" dirty="0">
+                <a:latin typeface="Consolas" panose="020B0609020204030204" pitchFamily="49" charset="0"/>
+              </a:rPr>
+              <a:t>.</a:t>
+            </a:r>
+            <a:r>
+              <a:rPr lang="en-US" sz="1100" dirty="0" err="1">
+                <a:latin typeface="Consolas" panose="020B0609020204030204" pitchFamily="49" charset="0"/>
+              </a:rPr>
+              <a:t>loftWith</a:t>
+            </a:r>
+            <a:r>
+              <a:rPr lang="en-US" sz="1100" dirty="0">
+                <a:latin typeface="Consolas" panose="020B0609020204030204" pitchFamily="49" charset="0"/>
+              </a:rPr>
+              <a:t>([</a:t>
+            </a:r>
+            <a:r>
+              <a:rPr lang="en-US" sz="1100" dirty="0" err="1">
+                <a:latin typeface="Consolas" panose="020B0609020204030204" pitchFamily="49" charset="0"/>
+              </a:rPr>
+              <a:t>a,b</a:t>
+            </a:r>
+            <a:r>
+              <a:rPr lang="en-US" sz="1100" dirty="0">
+                <a:latin typeface="Consolas" panose="020B0609020204030204" pitchFamily="49" charset="0"/>
+              </a:rPr>
+              <a:t>])</a:t>
+            </a:r>
+            <a:endParaRPr lang="en-US" dirty="0">
+              <a:latin typeface="Consolas" panose="020B0609020204030204" pitchFamily="49" charset="0"/>
+            </a:endParaRPr>
+          </a:p>
+        </p:txBody>
+      </p:sp>
+      <p:sp>
+        <p:nvSpPr>
+          <p:cNvPr id="64" name="Tekstvak 11">
+            <a:extLst>
+              <a:ext uri="{FF2B5EF4-FFF2-40B4-BE49-F238E27FC236}">
+                <a16:creationId xmlns:a16="http://schemas.microsoft.com/office/drawing/2014/main" id="{A42FAAD0-D1B5-4AB6-FC3E-17DEC4301B1F}"/>
+              </a:ext>
+            </a:extLst>
+          </p:cNvPr>
+          <p:cNvSpPr txBox="1"/>
+          <p:nvPr/>
+        </p:nvSpPr>
+        <p:spPr>
+          <a:xfrm>
+            <a:off x="6410460" y="1351550"/>
+            <a:ext cx="248786" cy="230832"/>
+          </a:xfrm>
+          <a:prstGeom prst="rect">
+            <a:avLst/>
+          </a:prstGeom>
+          <a:noFill/>
+        </p:spPr>
+        <p:txBody>
+          <a:bodyPr wrap="none" rtlCol="0">
+            <a:spAutoFit/>
+          </a:bodyPr>
+          <a:lstStyle/>
+          <a:p>
+            <a:r>
+              <a:rPr lang="nl-NL" sz="900" dirty="0">
+                <a:latin typeface="Consolas" panose="020B0609020204030204" pitchFamily="49" charset="0"/>
+              </a:rPr>
+              <a:t>a</a:t>
+            </a:r>
+            <a:endParaRPr lang="en-US" dirty="0">
+              <a:latin typeface="Consolas" panose="020B0609020204030204" pitchFamily="49" charset="0"/>
+            </a:endParaRPr>
+          </a:p>
+        </p:txBody>
+      </p:sp>
+      <p:sp>
+        <p:nvSpPr>
+          <p:cNvPr id="65" name="Tekstvak 11">
+            <a:extLst>
+              <a:ext uri="{FF2B5EF4-FFF2-40B4-BE49-F238E27FC236}">
+                <a16:creationId xmlns:a16="http://schemas.microsoft.com/office/drawing/2014/main" id="{D3DCDD75-4585-68EA-6F3F-F7442D8005CF}"/>
+              </a:ext>
+            </a:extLst>
+          </p:cNvPr>
+          <p:cNvSpPr txBox="1"/>
+          <p:nvPr/>
+        </p:nvSpPr>
+        <p:spPr>
+          <a:xfrm>
+            <a:off x="6636568" y="1294393"/>
+            <a:ext cx="248786" cy="230832"/>
+          </a:xfrm>
+          <a:prstGeom prst="rect">
+            <a:avLst/>
+          </a:prstGeom>
+          <a:noFill/>
+        </p:spPr>
+        <p:txBody>
+          <a:bodyPr wrap="none" rtlCol="0">
+            <a:spAutoFit/>
+          </a:bodyPr>
+          <a:lstStyle/>
+          <a:p>
+            <a:r>
+              <a:rPr lang="nl-NL" sz="900" dirty="0">
+                <a:latin typeface="Consolas" panose="020B0609020204030204" pitchFamily="49" charset="0"/>
+              </a:rPr>
+              <a:t>b</a:t>
+            </a:r>
+            <a:endParaRPr lang="en-US" dirty="0">
+              <a:latin typeface="Consolas" panose="020B0609020204030204" pitchFamily="49" charset="0"/>
+            </a:endParaRPr>
+          </a:p>
+        </p:txBody>
+      </p:sp>
+      <p:sp>
+        <p:nvSpPr>
+          <p:cNvPr id="66" name="Freeform 65">
+            <a:extLst>
+              <a:ext uri="{FF2B5EF4-FFF2-40B4-BE49-F238E27FC236}">
+                <a16:creationId xmlns:a16="http://schemas.microsoft.com/office/drawing/2014/main" id="{E661ABEC-8B9E-7542-4C2B-08EE49A14AE1}"/>
+              </a:ext>
+            </a:extLst>
+          </p:cNvPr>
+          <p:cNvSpPr/>
+          <p:nvPr/>
+        </p:nvSpPr>
+        <p:spPr>
+          <a:xfrm>
+            <a:off x="3536910" y="1523773"/>
+            <a:ext cx="396551" cy="354564"/>
+          </a:xfrm>
+          <a:custGeom>
+            <a:avLst/>
+            <a:gdLst>
+              <a:gd name="connsiteX0" fmla="*/ 0 w 396551"/>
+              <a:gd name="connsiteY0" fmla="*/ 275254 h 354564"/>
+              <a:gd name="connsiteX1" fmla="*/ 9331 w 396551"/>
+              <a:gd name="connsiteY1" fmla="*/ 0 h 354564"/>
+              <a:gd name="connsiteX2" fmla="*/ 111968 w 396551"/>
+              <a:gd name="connsiteY2" fmla="*/ 60649 h 354564"/>
+              <a:gd name="connsiteX3" fmla="*/ 303245 w 396551"/>
+              <a:gd name="connsiteY3" fmla="*/ 51319 h 354564"/>
+              <a:gd name="connsiteX4" fmla="*/ 396551 w 396551"/>
+              <a:gd name="connsiteY4" fmla="*/ 0 h 354564"/>
+              <a:gd name="connsiteX5" fmla="*/ 382555 w 396551"/>
+              <a:gd name="connsiteY5" fmla="*/ 284584 h 354564"/>
+              <a:gd name="connsiteX6" fmla="*/ 321906 w 396551"/>
+              <a:gd name="connsiteY6" fmla="*/ 354564 h 354564"/>
+              <a:gd name="connsiteX7" fmla="*/ 186612 w 396551"/>
+              <a:gd name="connsiteY7" fmla="*/ 349898 h 354564"/>
+              <a:gd name="connsiteX8" fmla="*/ 97972 w 396551"/>
+              <a:gd name="connsiteY8" fmla="*/ 340568 h 354564"/>
+              <a:gd name="connsiteX9" fmla="*/ 0 w 396551"/>
+              <a:gd name="connsiteY9" fmla="*/ 275254 h 354564"/>
+            </a:gdLst>
+            <a:ahLst/>
+            <a:cxnLst>
+              <a:cxn ang="0">
+                <a:pos x="connsiteX0" y="connsiteY0"/>
+              </a:cxn>
+              <a:cxn ang="0">
+                <a:pos x="connsiteX1" y="connsiteY1"/>
+              </a:cxn>
+              <a:cxn ang="0">
+                <a:pos x="connsiteX2" y="connsiteY2"/>
+              </a:cxn>
+              <a:cxn ang="0">
+                <a:pos x="connsiteX3" y="connsiteY3"/>
+              </a:cxn>
+              <a:cxn ang="0">
+                <a:pos x="connsiteX4" y="connsiteY4"/>
+              </a:cxn>
+              <a:cxn ang="0">
+                <a:pos x="connsiteX5" y="connsiteY5"/>
+              </a:cxn>
+              <a:cxn ang="0">
+                <a:pos x="connsiteX6" y="connsiteY6"/>
+              </a:cxn>
+              <a:cxn ang="0">
+                <a:pos x="connsiteX7" y="connsiteY7"/>
+              </a:cxn>
+              <a:cxn ang="0">
+                <a:pos x="connsiteX8" y="connsiteY8"/>
+              </a:cxn>
+              <a:cxn ang="0">
+                <a:pos x="connsiteX9" y="connsiteY9"/>
+              </a:cxn>
+            </a:cxnLst>
+            <a:rect l="l" t="t" r="r" b="b"/>
+            <a:pathLst>
+              <a:path w="396551" h="354564">
+                <a:moveTo>
+                  <a:pt x="0" y="275254"/>
+                </a:moveTo>
+                <a:lnTo>
+                  <a:pt x="9331" y="0"/>
+                </a:lnTo>
+                <a:lnTo>
+                  <a:pt x="111968" y="60649"/>
+                </a:lnTo>
+                <a:lnTo>
+                  <a:pt x="303245" y="51319"/>
+                </a:lnTo>
+                <a:lnTo>
+                  <a:pt x="396551" y="0"/>
+                </a:lnTo>
+                <a:lnTo>
+                  <a:pt x="382555" y="284584"/>
+                </a:lnTo>
+                <a:lnTo>
+                  <a:pt x="321906" y="354564"/>
+                </a:lnTo>
+                <a:lnTo>
+                  <a:pt x="186612" y="349898"/>
+                </a:lnTo>
+                <a:lnTo>
+                  <a:pt x="97972" y="340568"/>
+                </a:lnTo>
+                <a:lnTo>
+                  <a:pt x="0" y="275254"/>
+                </a:lnTo>
+                <a:close/>
+              </a:path>
+            </a:pathLst>
+          </a:custGeom>
+          <a:solidFill>
+            <a:srgbClr val="C5D6DD">
+              <a:alpha val="47451"/>
+            </a:srgbClr>
+          </a:solidFill>
+          <a:ln>
+            <a:noFill/>
+          </a:ln>
+        </p:spPr>
+        <p:style>
+          <a:lnRef idx="2">
+            <a:schemeClr val="accent1">
+              <a:shade val="50000"/>
+            </a:schemeClr>
+          </a:lnRef>
+          <a:fillRef idx="1">
+            <a:schemeClr val="accent1"/>
+          </a:fillRef>
+          <a:effectRef idx="0">
+            <a:schemeClr val="accent1"/>
+          </a:effectRef>
+          <a:fontRef idx="minor">
+            <a:schemeClr val="lt1"/>
+          </a:fontRef>
+        </p:style>
+        <p:txBody>
+          <a:bodyPr rtlCol="0" anchor="ctr"/>
+          <a:lstStyle/>
+          <a:p>
+            <a:pPr algn="ctr"/>
+            <a:endParaRPr lang="en-US"/>
+          </a:p>
+        </p:txBody>
+      </p:sp>
+      <p:sp>
+        <p:nvSpPr>
+          <p:cNvPr id="67" name="Freeform 66">
+            <a:extLst>
+              <a:ext uri="{FF2B5EF4-FFF2-40B4-BE49-F238E27FC236}">
+                <a16:creationId xmlns:a16="http://schemas.microsoft.com/office/drawing/2014/main" id="{FD7CA5E3-B1C9-57D4-5E7A-3A79A660CA0A}"/>
+              </a:ext>
+            </a:extLst>
+          </p:cNvPr>
+          <p:cNvSpPr/>
+          <p:nvPr/>
+        </p:nvSpPr>
+        <p:spPr>
+          <a:xfrm>
+            <a:off x="4950201" y="1409809"/>
+            <a:ext cx="382555" cy="513184"/>
+          </a:xfrm>
+          <a:custGeom>
+            <a:avLst/>
+            <a:gdLst>
+              <a:gd name="connsiteX0" fmla="*/ 251927 w 382555"/>
+              <a:gd name="connsiteY0" fmla="*/ 466531 h 513184"/>
+              <a:gd name="connsiteX1" fmla="*/ 219269 w 382555"/>
+              <a:gd name="connsiteY1" fmla="*/ 513184 h 513184"/>
+              <a:gd name="connsiteX2" fmla="*/ 219269 w 382555"/>
+              <a:gd name="connsiteY2" fmla="*/ 513184 h 513184"/>
+              <a:gd name="connsiteX3" fmla="*/ 158621 w 382555"/>
+              <a:gd name="connsiteY3" fmla="*/ 508518 h 513184"/>
+              <a:gd name="connsiteX4" fmla="*/ 111967 w 382555"/>
+              <a:gd name="connsiteY4" fmla="*/ 475861 h 513184"/>
+              <a:gd name="connsiteX5" fmla="*/ 111967 w 382555"/>
+              <a:gd name="connsiteY5" fmla="*/ 256592 h 513184"/>
+              <a:gd name="connsiteX6" fmla="*/ 69980 w 382555"/>
+              <a:gd name="connsiteY6" fmla="*/ 242596 h 513184"/>
+              <a:gd name="connsiteX7" fmla="*/ 13996 w 382555"/>
+              <a:gd name="connsiteY7" fmla="*/ 214604 h 513184"/>
+              <a:gd name="connsiteX8" fmla="*/ 0 w 382555"/>
+              <a:gd name="connsiteY8" fmla="*/ 195943 h 513184"/>
+              <a:gd name="connsiteX9" fmla="*/ 4665 w 382555"/>
+              <a:gd name="connsiteY9" fmla="*/ 83976 h 513184"/>
+              <a:gd name="connsiteX10" fmla="*/ 23327 w 382555"/>
+              <a:gd name="connsiteY10" fmla="*/ 23327 h 513184"/>
+              <a:gd name="connsiteX11" fmla="*/ 93306 w 382555"/>
+              <a:gd name="connsiteY11" fmla="*/ 4665 h 513184"/>
+              <a:gd name="connsiteX12" fmla="*/ 139959 w 382555"/>
+              <a:gd name="connsiteY12" fmla="*/ 0 h 513184"/>
+              <a:gd name="connsiteX13" fmla="*/ 181947 w 382555"/>
+              <a:gd name="connsiteY13" fmla="*/ 0 h 513184"/>
+              <a:gd name="connsiteX14" fmla="*/ 256592 w 382555"/>
+              <a:gd name="connsiteY14" fmla="*/ 4665 h 513184"/>
+              <a:gd name="connsiteX15" fmla="*/ 349898 w 382555"/>
+              <a:gd name="connsiteY15" fmla="*/ 27992 h 513184"/>
+              <a:gd name="connsiteX16" fmla="*/ 377890 w 382555"/>
+              <a:gd name="connsiteY16" fmla="*/ 69980 h 513184"/>
+              <a:gd name="connsiteX17" fmla="*/ 349898 w 382555"/>
+              <a:gd name="connsiteY17" fmla="*/ 83976 h 513184"/>
+              <a:gd name="connsiteX18" fmla="*/ 349898 w 382555"/>
+              <a:gd name="connsiteY18" fmla="*/ 83976 h 513184"/>
+              <a:gd name="connsiteX19" fmla="*/ 382555 w 382555"/>
+              <a:gd name="connsiteY19" fmla="*/ 191278 h 513184"/>
+              <a:gd name="connsiteX20" fmla="*/ 326572 w 382555"/>
+              <a:gd name="connsiteY20" fmla="*/ 228600 h 513184"/>
+              <a:gd name="connsiteX21" fmla="*/ 275253 w 382555"/>
+              <a:gd name="connsiteY21" fmla="*/ 256592 h 513184"/>
+              <a:gd name="connsiteX22" fmla="*/ 261257 w 382555"/>
+              <a:gd name="connsiteY22" fmla="*/ 345233 h 513184"/>
+              <a:gd name="connsiteX23" fmla="*/ 251927 w 382555"/>
+              <a:gd name="connsiteY23" fmla="*/ 466531 h 513184"/>
+              <a:gd name="connsiteX0" fmla="*/ 251927 w 382555"/>
+              <a:gd name="connsiteY0" fmla="*/ 466531 h 513184"/>
+              <a:gd name="connsiteX1" fmla="*/ 219269 w 382555"/>
+              <a:gd name="connsiteY1" fmla="*/ 513184 h 513184"/>
+              <a:gd name="connsiteX2" fmla="*/ 219269 w 382555"/>
+              <a:gd name="connsiteY2" fmla="*/ 513184 h 513184"/>
+              <a:gd name="connsiteX3" fmla="*/ 158621 w 382555"/>
+              <a:gd name="connsiteY3" fmla="*/ 508518 h 513184"/>
+              <a:gd name="connsiteX4" fmla="*/ 111967 w 382555"/>
+              <a:gd name="connsiteY4" fmla="*/ 475861 h 513184"/>
+              <a:gd name="connsiteX5" fmla="*/ 111967 w 382555"/>
+              <a:gd name="connsiteY5" fmla="*/ 256592 h 513184"/>
+              <a:gd name="connsiteX6" fmla="*/ 69980 w 382555"/>
+              <a:gd name="connsiteY6" fmla="*/ 242596 h 513184"/>
+              <a:gd name="connsiteX7" fmla="*/ 13996 w 382555"/>
+              <a:gd name="connsiteY7" fmla="*/ 214604 h 513184"/>
+              <a:gd name="connsiteX8" fmla="*/ 0 w 382555"/>
+              <a:gd name="connsiteY8" fmla="*/ 195943 h 513184"/>
+              <a:gd name="connsiteX9" fmla="*/ 4665 w 382555"/>
+              <a:gd name="connsiteY9" fmla="*/ 83976 h 513184"/>
+              <a:gd name="connsiteX10" fmla="*/ 23327 w 382555"/>
+              <a:gd name="connsiteY10" fmla="*/ 23327 h 513184"/>
+              <a:gd name="connsiteX11" fmla="*/ 93306 w 382555"/>
+              <a:gd name="connsiteY11" fmla="*/ 4665 h 513184"/>
+              <a:gd name="connsiteX12" fmla="*/ 139959 w 382555"/>
+              <a:gd name="connsiteY12" fmla="*/ 0 h 513184"/>
+              <a:gd name="connsiteX13" fmla="*/ 181947 w 382555"/>
+              <a:gd name="connsiteY13" fmla="*/ 0 h 513184"/>
+              <a:gd name="connsiteX14" fmla="*/ 256592 w 382555"/>
+              <a:gd name="connsiteY14" fmla="*/ 4665 h 513184"/>
+              <a:gd name="connsiteX15" fmla="*/ 349898 w 382555"/>
+              <a:gd name="connsiteY15" fmla="*/ 27992 h 513184"/>
+              <a:gd name="connsiteX16" fmla="*/ 377890 w 382555"/>
+              <a:gd name="connsiteY16" fmla="*/ 69980 h 513184"/>
+              <a:gd name="connsiteX17" fmla="*/ 349898 w 382555"/>
+              <a:gd name="connsiteY17" fmla="*/ 83976 h 513184"/>
+              <a:gd name="connsiteX18" fmla="*/ 382555 w 382555"/>
+              <a:gd name="connsiteY18" fmla="*/ 191278 h 513184"/>
+              <a:gd name="connsiteX19" fmla="*/ 326572 w 382555"/>
+              <a:gd name="connsiteY19" fmla="*/ 228600 h 513184"/>
+              <a:gd name="connsiteX20" fmla="*/ 275253 w 382555"/>
+              <a:gd name="connsiteY20" fmla="*/ 256592 h 513184"/>
+              <a:gd name="connsiteX21" fmla="*/ 261257 w 382555"/>
+              <a:gd name="connsiteY21" fmla="*/ 345233 h 513184"/>
+              <a:gd name="connsiteX22" fmla="*/ 251927 w 382555"/>
+              <a:gd name="connsiteY22" fmla="*/ 466531 h 513184"/>
+              <a:gd name="connsiteX0" fmla="*/ 251927 w 382555"/>
+              <a:gd name="connsiteY0" fmla="*/ 466531 h 513184"/>
+              <a:gd name="connsiteX1" fmla="*/ 219269 w 382555"/>
+              <a:gd name="connsiteY1" fmla="*/ 513184 h 513184"/>
+              <a:gd name="connsiteX2" fmla="*/ 219269 w 382555"/>
+              <a:gd name="connsiteY2" fmla="*/ 513184 h 513184"/>
+              <a:gd name="connsiteX3" fmla="*/ 158621 w 382555"/>
+              <a:gd name="connsiteY3" fmla="*/ 508518 h 513184"/>
+              <a:gd name="connsiteX4" fmla="*/ 111967 w 382555"/>
+              <a:gd name="connsiteY4" fmla="*/ 475861 h 513184"/>
+              <a:gd name="connsiteX5" fmla="*/ 111967 w 382555"/>
+              <a:gd name="connsiteY5" fmla="*/ 256592 h 513184"/>
+              <a:gd name="connsiteX6" fmla="*/ 69980 w 382555"/>
+              <a:gd name="connsiteY6" fmla="*/ 242596 h 513184"/>
+              <a:gd name="connsiteX7" fmla="*/ 13996 w 382555"/>
+              <a:gd name="connsiteY7" fmla="*/ 214604 h 513184"/>
+              <a:gd name="connsiteX8" fmla="*/ 0 w 382555"/>
+              <a:gd name="connsiteY8" fmla="*/ 195943 h 513184"/>
+              <a:gd name="connsiteX9" fmla="*/ 4665 w 382555"/>
+              <a:gd name="connsiteY9" fmla="*/ 83976 h 513184"/>
+              <a:gd name="connsiteX10" fmla="*/ 23327 w 382555"/>
+              <a:gd name="connsiteY10" fmla="*/ 23327 h 513184"/>
+              <a:gd name="connsiteX11" fmla="*/ 93306 w 382555"/>
+              <a:gd name="connsiteY11" fmla="*/ 4665 h 513184"/>
+              <a:gd name="connsiteX12" fmla="*/ 139959 w 382555"/>
+              <a:gd name="connsiteY12" fmla="*/ 0 h 513184"/>
+              <a:gd name="connsiteX13" fmla="*/ 181947 w 382555"/>
+              <a:gd name="connsiteY13" fmla="*/ 0 h 513184"/>
+              <a:gd name="connsiteX14" fmla="*/ 256592 w 382555"/>
+              <a:gd name="connsiteY14" fmla="*/ 4665 h 513184"/>
+              <a:gd name="connsiteX15" fmla="*/ 349898 w 382555"/>
+              <a:gd name="connsiteY15" fmla="*/ 27992 h 513184"/>
+              <a:gd name="connsiteX16" fmla="*/ 377890 w 382555"/>
+              <a:gd name="connsiteY16" fmla="*/ 69980 h 513184"/>
+              <a:gd name="connsiteX17" fmla="*/ 382555 w 382555"/>
+              <a:gd name="connsiteY17" fmla="*/ 191278 h 513184"/>
+              <a:gd name="connsiteX18" fmla="*/ 326572 w 382555"/>
+              <a:gd name="connsiteY18" fmla="*/ 228600 h 513184"/>
+              <a:gd name="connsiteX19" fmla="*/ 275253 w 382555"/>
+              <a:gd name="connsiteY19" fmla="*/ 256592 h 513184"/>
+              <a:gd name="connsiteX20" fmla="*/ 261257 w 382555"/>
+              <a:gd name="connsiteY20" fmla="*/ 345233 h 513184"/>
+              <a:gd name="connsiteX21" fmla="*/ 251927 w 382555"/>
+              <a:gd name="connsiteY21" fmla="*/ 466531 h 513184"/>
+            </a:gdLst>
+            <a:ahLst/>
+            <a:cxnLst>
+              <a:cxn ang="0">
+                <a:pos x="connsiteX0" y="connsiteY0"/>
+              </a:cxn>
+              <a:cxn ang="0">
+                <a:pos x="connsiteX1" y="connsiteY1"/>
+              </a:cxn>
+              <a:cxn ang="0">
+                <a:pos x="connsiteX2" y="connsiteY2"/>
+              </a:cxn>
+              <a:cxn ang="0">
+                <a:pos x="connsiteX3" y="connsiteY3"/>
+              </a:cxn>
+              <a:cxn ang="0">
+                <a:pos x="connsiteX4" y="connsiteY4"/>
+              </a:cxn>
+              <a:cxn ang="0">
+                <a:pos x="connsiteX5" y="connsiteY5"/>
+              </a:cxn>
+              <a:cxn ang="0">
+                <a:pos x="connsiteX6" y="connsiteY6"/>
+              </a:cxn>
+              <a:cxn ang="0">
+                <a:pos x="connsiteX7" y="connsiteY7"/>
+              </a:cxn>
+              <a:cxn ang="0">
+                <a:pos x="connsiteX8" y="connsiteY8"/>
+              </a:cxn>
+              <a:cxn ang="0">
+                <a:pos x="connsiteX9" y="connsiteY9"/>
+              </a:cxn>
+              <a:cxn ang="0">
+                <a:pos x="connsiteX10" y="connsiteY10"/>
+              </a:cxn>
+              <a:cxn ang="0">
+                <a:pos x="connsiteX11" y="connsiteY11"/>
+              </a:cxn>
+              <a:cxn ang="0">
+                <a:pos x="connsiteX12" y="connsiteY12"/>
+              </a:cxn>
+              <a:cxn ang="0">
+                <a:pos x="connsiteX13" y="connsiteY13"/>
+              </a:cxn>
+              <a:cxn ang="0">
+                <a:pos x="connsiteX14" y="connsiteY14"/>
+              </a:cxn>
+              <a:cxn ang="0">
+                <a:pos x="connsiteX15" y="connsiteY15"/>
+              </a:cxn>
+              <a:cxn ang="0">
+                <a:pos x="connsiteX16" y="connsiteY16"/>
+              </a:cxn>
+              <a:cxn ang="0">
+                <a:pos x="connsiteX17" y="connsiteY17"/>
+              </a:cxn>
+              <a:cxn ang="0">
+                <a:pos x="connsiteX18" y="connsiteY18"/>
+              </a:cxn>
+              <a:cxn ang="0">
+                <a:pos x="connsiteX19" y="connsiteY19"/>
+              </a:cxn>
+              <a:cxn ang="0">
+                <a:pos x="connsiteX20" y="connsiteY20"/>
+              </a:cxn>
+              <a:cxn ang="0">
+                <a:pos x="connsiteX21" y="connsiteY21"/>
+              </a:cxn>
+            </a:cxnLst>
+            <a:rect l="l" t="t" r="r" b="b"/>
+            <a:pathLst>
+              <a:path w="382555" h="513184">
+                <a:moveTo>
+                  <a:pt x="251927" y="466531"/>
+                </a:moveTo>
+                <a:lnTo>
+                  <a:pt x="219269" y="513184"/>
+                </a:lnTo>
+                <a:lnTo>
+                  <a:pt x="219269" y="513184"/>
+                </a:lnTo>
+                <a:lnTo>
+                  <a:pt x="158621" y="508518"/>
+                </a:lnTo>
+                <a:lnTo>
+                  <a:pt x="111967" y="475861"/>
+                </a:lnTo>
+                <a:lnTo>
+                  <a:pt x="111967" y="256592"/>
+                </a:lnTo>
+                <a:lnTo>
+                  <a:pt x="69980" y="242596"/>
+                </a:lnTo>
+                <a:lnTo>
+                  <a:pt x="13996" y="214604"/>
+                </a:lnTo>
+                <a:lnTo>
+                  <a:pt x="0" y="195943"/>
+                </a:lnTo>
+                <a:lnTo>
+                  <a:pt x="4665" y="83976"/>
+                </a:lnTo>
+                <a:lnTo>
+                  <a:pt x="23327" y="23327"/>
+                </a:lnTo>
+                <a:lnTo>
+                  <a:pt x="93306" y="4665"/>
+                </a:lnTo>
+                <a:lnTo>
+                  <a:pt x="139959" y="0"/>
+                </a:lnTo>
+                <a:lnTo>
+                  <a:pt x="181947" y="0"/>
+                </a:lnTo>
+                <a:lnTo>
+                  <a:pt x="256592" y="4665"/>
+                </a:lnTo>
+                <a:lnTo>
+                  <a:pt x="349898" y="27992"/>
+                </a:lnTo>
+                <a:lnTo>
+                  <a:pt x="377890" y="69980"/>
+                </a:lnTo>
+                <a:lnTo>
+                  <a:pt x="382555" y="191278"/>
+                </a:lnTo>
+                <a:lnTo>
+                  <a:pt x="326572" y="228600"/>
+                </a:lnTo>
+                <a:lnTo>
+                  <a:pt x="275253" y="256592"/>
+                </a:lnTo>
+                <a:lnTo>
+                  <a:pt x="261257" y="345233"/>
+                </a:lnTo>
+                <a:lnTo>
+                  <a:pt x="251927" y="466531"/>
+                </a:lnTo>
+                <a:close/>
+              </a:path>
+            </a:pathLst>
+          </a:custGeom>
+          <a:solidFill>
+            <a:srgbClr val="C5D6DD">
+              <a:alpha val="47451"/>
+            </a:srgbClr>
+          </a:solidFill>
+          <a:ln>
+            <a:noFill/>
+          </a:ln>
+        </p:spPr>
+        <p:style>
+          <a:lnRef idx="2">
+            <a:schemeClr val="accent1">
+              <a:shade val="50000"/>
+            </a:schemeClr>
+          </a:lnRef>
+          <a:fillRef idx="1">
+            <a:schemeClr val="accent1"/>
+          </a:fillRef>
+          <a:effectRef idx="0">
+            <a:schemeClr val="accent1"/>
+          </a:effectRef>
+          <a:fontRef idx="minor">
+            <a:schemeClr val="lt1"/>
+          </a:fontRef>
+        </p:style>
+        <p:txBody>
+          <a:bodyPr rtlCol="0" anchor="ctr"/>
+          <a:lstStyle/>
+          <a:p>
+            <a:pPr algn="ctr"/>
+            <a:endParaRPr lang="en-US"/>
+          </a:p>
+        </p:txBody>
+      </p:sp>
+      <p:sp>
+        <p:nvSpPr>
+          <p:cNvPr id="68" name="Rechthoek: afgeronde hoeken 1">
+            <a:extLst>
+              <a:ext uri="{FF2B5EF4-FFF2-40B4-BE49-F238E27FC236}">
+                <a16:creationId xmlns:a16="http://schemas.microsoft.com/office/drawing/2014/main" id="{B2B3E596-26D1-6B75-9047-3FF09B4BF346}"/>
+              </a:ext>
+            </a:extLst>
+          </p:cNvPr>
+          <p:cNvSpPr/>
+          <p:nvPr/>
+        </p:nvSpPr>
+        <p:spPr>
+          <a:xfrm>
+            <a:off x="7578777" y="1312723"/>
+            <a:ext cx="722299" cy="729984"/>
+          </a:xfrm>
+          <a:prstGeom prst="roundRect">
+            <a:avLst/>
+          </a:prstGeom>
+          <a:noFill/>
+          <a:ln>
+            <a:solidFill>
+              <a:schemeClr val="bg1">
+                <a:lumMod val="50000"/>
+              </a:schemeClr>
+            </a:solidFill>
+          </a:ln>
+        </p:spPr>
+        <p:style>
+          <a:lnRef idx="2">
+            <a:schemeClr val="accent1">
+              <a:shade val="50000"/>
+            </a:schemeClr>
+          </a:lnRef>
+          <a:fillRef idx="1">
+            <a:schemeClr val="accent1"/>
+          </a:fillRef>
+          <a:effectRef idx="0">
+            <a:schemeClr val="accent1"/>
+          </a:effectRef>
+          <a:fontRef idx="minor">
+            <a:schemeClr val="lt1"/>
+          </a:fontRef>
+        </p:style>
+        <p:txBody>
+          <a:bodyPr rtlCol="0" anchor="ctr"/>
+          <a:lstStyle/>
+          <a:p>
+            <a:pPr algn="ctr"/>
+            <a:endParaRPr lang="en-US"/>
+          </a:p>
+        </p:txBody>
+      </p:sp>
+      <p:sp>
+        <p:nvSpPr>
+          <p:cNvPr id="72" name="Oval 71">
+            <a:extLst>
+              <a:ext uri="{FF2B5EF4-FFF2-40B4-BE49-F238E27FC236}">
+                <a16:creationId xmlns:a16="http://schemas.microsoft.com/office/drawing/2014/main" id="{FFC3BCE9-E466-54DF-BCD9-60A95155A680}"/>
+              </a:ext>
+            </a:extLst>
+          </p:cNvPr>
+          <p:cNvSpPr/>
+          <p:nvPr/>
+        </p:nvSpPr>
+        <p:spPr>
+          <a:xfrm rot="16200000">
+            <a:off x="7570269" y="1694007"/>
+            <a:ext cx="353682" cy="124634"/>
+          </a:xfrm>
+          <a:prstGeom prst="ellipse">
+            <a:avLst/>
+          </a:prstGeom>
+          <a:noFill/>
+          <a:ln w="28575">
+            <a:solidFill>
+              <a:schemeClr val="tx1"/>
+            </a:solidFill>
+          </a:ln>
+        </p:spPr>
+        <p:style>
+          <a:lnRef idx="2">
+            <a:schemeClr val="accent1">
+              <a:shade val="50000"/>
+            </a:schemeClr>
+          </a:lnRef>
+          <a:fillRef idx="1">
+            <a:schemeClr val="accent1"/>
+          </a:fillRef>
+          <a:effectRef idx="0">
+            <a:schemeClr val="accent1"/>
+          </a:effectRef>
+          <a:fontRef idx="minor">
+            <a:schemeClr val="lt1"/>
+          </a:fontRef>
+        </p:style>
+        <p:txBody>
+          <a:bodyPr rtlCol="0" anchor="ctr"/>
+          <a:lstStyle/>
+          <a:p>
+            <a:pPr algn="ctr"/>
+            <a:endParaRPr lang="en-US"/>
+          </a:p>
+        </p:txBody>
+      </p:sp>
+      <p:sp>
+        <p:nvSpPr>
+          <p:cNvPr id="78" name="Freeform 77">
+            <a:extLst>
+              <a:ext uri="{FF2B5EF4-FFF2-40B4-BE49-F238E27FC236}">
+                <a16:creationId xmlns:a16="http://schemas.microsoft.com/office/drawing/2014/main" id="{A5F114BB-9B0E-455D-A2A8-935327B4300D}"/>
+              </a:ext>
+            </a:extLst>
+          </p:cNvPr>
+          <p:cNvSpPr/>
+          <p:nvPr/>
+        </p:nvSpPr>
+        <p:spPr>
+          <a:xfrm>
+            <a:off x="7740837" y="1535996"/>
+            <a:ext cx="415212" cy="214604"/>
+          </a:xfrm>
+          <a:custGeom>
+            <a:avLst/>
+            <a:gdLst>
+              <a:gd name="connsiteX0" fmla="*/ 0 w 415212"/>
+              <a:gd name="connsiteY0" fmla="*/ 214604 h 214604"/>
+              <a:gd name="connsiteX1" fmla="*/ 149290 w 415212"/>
+              <a:gd name="connsiteY1" fmla="*/ 205273 h 214604"/>
+              <a:gd name="connsiteX2" fmla="*/ 251927 w 415212"/>
+              <a:gd name="connsiteY2" fmla="*/ 167951 h 214604"/>
+              <a:gd name="connsiteX3" fmla="*/ 335902 w 415212"/>
+              <a:gd name="connsiteY3" fmla="*/ 41988 h 214604"/>
+              <a:gd name="connsiteX4" fmla="*/ 415212 w 415212"/>
+              <a:gd name="connsiteY4" fmla="*/ 0 h 214604"/>
+            </a:gdLst>
+            <a:ahLst/>
+            <a:cxnLst>
+              <a:cxn ang="0">
+                <a:pos x="connsiteX0" y="connsiteY0"/>
+              </a:cxn>
+              <a:cxn ang="0">
+                <a:pos x="connsiteX1" y="connsiteY1"/>
+              </a:cxn>
+              <a:cxn ang="0">
+                <a:pos x="connsiteX2" y="connsiteY2"/>
+              </a:cxn>
+              <a:cxn ang="0">
+                <a:pos x="connsiteX3" y="connsiteY3"/>
+              </a:cxn>
+              <a:cxn ang="0">
+                <a:pos x="connsiteX4" y="connsiteY4"/>
+              </a:cxn>
+            </a:cxnLst>
+            <a:rect l="l" t="t" r="r" b="b"/>
+            <a:pathLst>
+              <a:path w="415212" h="214604">
+                <a:moveTo>
+                  <a:pt x="0" y="214604"/>
+                </a:moveTo>
+                <a:cubicBezTo>
+                  <a:pt x="53651" y="213826"/>
+                  <a:pt x="107302" y="213048"/>
+                  <a:pt x="149290" y="205273"/>
+                </a:cubicBezTo>
+                <a:cubicBezTo>
+                  <a:pt x="191278" y="197497"/>
+                  <a:pt x="220825" y="195165"/>
+                  <a:pt x="251927" y="167951"/>
+                </a:cubicBezTo>
+                <a:cubicBezTo>
+                  <a:pt x="283029" y="140737"/>
+                  <a:pt x="308688" y="69980"/>
+                  <a:pt x="335902" y="41988"/>
+                </a:cubicBezTo>
+                <a:cubicBezTo>
+                  <a:pt x="363116" y="13996"/>
+                  <a:pt x="389164" y="6998"/>
+                  <a:pt x="415212" y="0"/>
+                </a:cubicBezTo>
+              </a:path>
+            </a:pathLst>
+          </a:custGeom>
+          <a:noFill/>
+          <a:ln w="28575">
+            <a:solidFill>
+              <a:schemeClr val="tx1"/>
+            </a:solidFill>
+          </a:ln>
+        </p:spPr>
+        <p:style>
+          <a:lnRef idx="2">
+            <a:schemeClr val="accent1">
+              <a:shade val="50000"/>
+            </a:schemeClr>
+          </a:lnRef>
+          <a:fillRef idx="1">
+            <a:schemeClr val="accent1"/>
+          </a:fillRef>
+          <a:effectRef idx="0">
+            <a:schemeClr val="accent1"/>
+          </a:effectRef>
+          <a:fontRef idx="minor">
+            <a:schemeClr val="lt1"/>
+          </a:fontRef>
+        </p:style>
+        <p:txBody>
+          <a:bodyPr rtlCol="0" anchor="ctr"/>
+          <a:lstStyle/>
+          <a:p>
+            <a:pPr algn="ctr"/>
+            <a:endParaRPr lang="en-US"/>
+          </a:p>
+        </p:txBody>
+      </p:sp>
+      <p:sp>
+        <p:nvSpPr>
+          <p:cNvPr id="79" name="Oval 78">
+            <a:extLst>
+              <a:ext uri="{FF2B5EF4-FFF2-40B4-BE49-F238E27FC236}">
+                <a16:creationId xmlns:a16="http://schemas.microsoft.com/office/drawing/2014/main" id="{26F665AA-9EEB-2417-1D88-B9BFD68A5391}"/>
+              </a:ext>
+            </a:extLst>
+          </p:cNvPr>
+          <p:cNvSpPr/>
+          <p:nvPr/>
+        </p:nvSpPr>
+        <p:spPr>
+          <a:xfrm rot="16200000">
+            <a:off x="7983873" y="1486248"/>
+            <a:ext cx="353682" cy="124634"/>
+          </a:xfrm>
+          <a:prstGeom prst="ellipse">
+            <a:avLst/>
+          </a:prstGeom>
+          <a:noFill/>
+          <a:ln w="28575">
+            <a:solidFill>
+              <a:srgbClr val="5F8FA3"/>
+            </a:solidFill>
+          </a:ln>
+        </p:spPr>
+        <p:style>
+          <a:lnRef idx="2">
+            <a:schemeClr val="accent1">
+              <a:shade val="50000"/>
+            </a:schemeClr>
+          </a:lnRef>
+          <a:fillRef idx="1">
+            <a:schemeClr val="accent1"/>
+          </a:fillRef>
+          <a:effectRef idx="0">
+            <a:schemeClr val="accent1"/>
+          </a:effectRef>
+          <a:fontRef idx="minor">
+            <a:schemeClr val="lt1"/>
+          </a:fontRef>
+        </p:style>
+        <p:txBody>
+          <a:bodyPr rtlCol="0" anchor="ctr"/>
+          <a:lstStyle/>
+          <a:p>
+            <a:pPr algn="ctr"/>
+            <a:endParaRPr lang="en-US"/>
+          </a:p>
+        </p:txBody>
+      </p:sp>
+      <p:sp>
+        <p:nvSpPr>
+          <p:cNvPr id="80" name="Freeform 79">
+            <a:extLst>
+              <a:ext uri="{FF2B5EF4-FFF2-40B4-BE49-F238E27FC236}">
+                <a16:creationId xmlns:a16="http://schemas.microsoft.com/office/drawing/2014/main" id="{8B83B8CE-2ECF-CD78-C555-BC2FC775B9C1}"/>
+              </a:ext>
+            </a:extLst>
+          </p:cNvPr>
+          <p:cNvSpPr/>
+          <p:nvPr/>
+        </p:nvSpPr>
+        <p:spPr>
+          <a:xfrm>
+            <a:off x="7742046" y="1370235"/>
+            <a:ext cx="415212" cy="214604"/>
+          </a:xfrm>
+          <a:custGeom>
+            <a:avLst/>
+            <a:gdLst>
+              <a:gd name="connsiteX0" fmla="*/ 0 w 415212"/>
+              <a:gd name="connsiteY0" fmla="*/ 214604 h 214604"/>
+              <a:gd name="connsiteX1" fmla="*/ 149290 w 415212"/>
+              <a:gd name="connsiteY1" fmla="*/ 205273 h 214604"/>
+              <a:gd name="connsiteX2" fmla="*/ 251927 w 415212"/>
+              <a:gd name="connsiteY2" fmla="*/ 167951 h 214604"/>
+              <a:gd name="connsiteX3" fmla="*/ 335902 w 415212"/>
+              <a:gd name="connsiteY3" fmla="*/ 41988 h 214604"/>
+              <a:gd name="connsiteX4" fmla="*/ 415212 w 415212"/>
+              <a:gd name="connsiteY4" fmla="*/ 0 h 214604"/>
+            </a:gdLst>
+            <a:ahLst/>
+            <a:cxnLst>
+              <a:cxn ang="0">
+                <a:pos x="connsiteX0" y="connsiteY0"/>
+              </a:cxn>
+              <a:cxn ang="0">
+                <a:pos x="connsiteX1" y="connsiteY1"/>
+              </a:cxn>
+              <a:cxn ang="0">
+                <a:pos x="connsiteX2" y="connsiteY2"/>
+              </a:cxn>
+              <a:cxn ang="0">
+                <a:pos x="connsiteX3" y="connsiteY3"/>
+              </a:cxn>
+              <a:cxn ang="0">
+                <a:pos x="connsiteX4" y="connsiteY4"/>
+              </a:cxn>
+            </a:cxnLst>
+            <a:rect l="l" t="t" r="r" b="b"/>
+            <a:pathLst>
+              <a:path w="415212" h="214604">
+                <a:moveTo>
+                  <a:pt x="0" y="214604"/>
+                </a:moveTo>
+                <a:cubicBezTo>
+                  <a:pt x="53651" y="213826"/>
+                  <a:pt x="107302" y="213048"/>
+                  <a:pt x="149290" y="205273"/>
+                </a:cubicBezTo>
+                <a:cubicBezTo>
+                  <a:pt x="191278" y="197497"/>
+                  <a:pt x="220825" y="195165"/>
+                  <a:pt x="251927" y="167951"/>
+                </a:cubicBezTo>
+                <a:cubicBezTo>
+                  <a:pt x="283029" y="140737"/>
+                  <a:pt x="308688" y="69980"/>
+                  <a:pt x="335902" y="41988"/>
+                </a:cubicBezTo>
+                <a:cubicBezTo>
+                  <a:pt x="363116" y="13996"/>
+                  <a:pt x="389164" y="6998"/>
+                  <a:pt x="415212" y="0"/>
+                </a:cubicBezTo>
+              </a:path>
+            </a:pathLst>
+          </a:custGeom>
+          <a:noFill/>
+          <a:ln w="28575">
+            <a:solidFill>
+              <a:srgbClr val="5F8FA3"/>
+            </a:solidFill>
+          </a:ln>
+        </p:spPr>
+        <p:style>
+          <a:lnRef idx="2">
+            <a:schemeClr val="accent1">
+              <a:shade val="50000"/>
+            </a:schemeClr>
+          </a:lnRef>
+          <a:fillRef idx="1">
+            <a:schemeClr val="accent1"/>
+          </a:fillRef>
+          <a:effectRef idx="0">
+            <a:schemeClr val="accent1"/>
+          </a:effectRef>
+          <a:fontRef idx="minor">
+            <a:schemeClr val="lt1"/>
+          </a:fontRef>
+        </p:style>
+        <p:txBody>
+          <a:bodyPr rtlCol="0" anchor="ctr"/>
+          <a:lstStyle/>
+          <a:p>
+            <a:pPr algn="ctr"/>
+            <a:endParaRPr lang="en-US"/>
+          </a:p>
+        </p:txBody>
+      </p:sp>
+      <p:sp>
+        <p:nvSpPr>
+          <p:cNvPr id="81" name="Freeform 80">
+            <a:extLst>
+              <a:ext uri="{FF2B5EF4-FFF2-40B4-BE49-F238E27FC236}">
+                <a16:creationId xmlns:a16="http://schemas.microsoft.com/office/drawing/2014/main" id="{3916F805-B4C9-B8EE-E6DB-58EEA7176D7A}"/>
+              </a:ext>
+            </a:extLst>
+          </p:cNvPr>
+          <p:cNvSpPr/>
+          <p:nvPr/>
+        </p:nvSpPr>
+        <p:spPr>
+          <a:xfrm>
+            <a:off x="7750772" y="1718717"/>
+            <a:ext cx="415212" cy="214604"/>
+          </a:xfrm>
+          <a:custGeom>
+            <a:avLst/>
+            <a:gdLst>
+              <a:gd name="connsiteX0" fmla="*/ 0 w 415212"/>
+              <a:gd name="connsiteY0" fmla="*/ 214604 h 214604"/>
+              <a:gd name="connsiteX1" fmla="*/ 149290 w 415212"/>
+              <a:gd name="connsiteY1" fmla="*/ 205273 h 214604"/>
+              <a:gd name="connsiteX2" fmla="*/ 251927 w 415212"/>
+              <a:gd name="connsiteY2" fmla="*/ 167951 h 214604"/>
+              <a:gd name="connsiteX3" fmla="*/ 335902 w 415212"/>
+              <a:gd name="connsiteY3" fmla="*/ 41988 h 214604"/>
+              <a:gd name="connsiteX4" fmla="*/ 415212 w 415212"/>
+              <a:gd name="connsiteY4" fmla="*/ 0 h 214604"/>
+            </a:gdLst>
+            <a:ahLst/>
+            <a:cxnLst>
+              <a:cxn ang="0">
+                <a:pos x="connsiteX0" y="connsiteY0"/>
+              </a:cxn>
+              <a:cxn ang="0">
+                <a:pos x="connsiteX1" y="connsiteY1"/>
+              </a:cxn>
+              <a:cxn ang="0">
+                <a:pos x="connsiteX2" y="connsiteY2"/>
+              </a:cxn>
+              <a:cxn ang="0">
+                <a:pos x="connsiteX3" y="connsiteY3"/>
+              </a:cxn>
+              <a:cxn ang="0">
+                <a:pos x="connsiteX4" y="connsiteY4"/>
+              </a:cxn>
+            </a:cxnLst>
+            <a:rect l="l" t="t" r="r" b="b"/>
+            <a:pathLst>
+              <a:path w="415212" h="214604">
+                <a:moveTo>
+                  <a:pt x="0" y="214604"/>
+                </a:moveTo>
+                <a:cubicBezTo>
+                  <a:pt x="53651" y="213826"/>
+                  <a:pt x="107302" y="213048"/>
+                  <a:pt x="149290" y="205273"/>
+                </a:cubicBezTo>
+                <a:cubicBezTo>
+                  <a:pt x="191278" y="197497"/>
+                  <a:pt x="220825" y="195165"/>
+                  <a:pt x="251927" y="167951"/>
+                </a:cubicBezTo>
+                <a:cubicBezTo>
+                  <a:pt x="283029" y="140737"/>
+                  <a:pt x="308688" y="69980"/>
+                  <a:pt x="335902" y="41988"/>
+                </a:cubicBezTo>
+                <a:cubicBezTo>
+                  <a:pt x="363116" y="13996"/>
+                  <a:pt x="389164" y="6998"/>
+                  <a:pt x="415212" y="0"/>
+                </a:cubicBezTo>
+              </a:path>
+            </a:pathLst>
+          </a:custGeom>
+          <a:noFill/>
+          <a:ln w="28575">
+            <a:solidFill>
+              <a:srgbClr val="5F8FA3"/>
+            </a:solidFill>
+          </a:ln>
+        </p:spPr>
+        <p:style>
+          <a:lnRef idx="2">
+            <a:schemeClr val="accent1">
+              <a:shade val="50000"/>
+            </a:schemeClr>
+          </a:lnRef>
+          <a:fillRef idx="1">
+            <a:schemeClr val="accent1"/>
+          </a:fillRef>
+          <a:effectRef idx="0">
+            <a:schemeClr val="accent1"/>
+          </a:effectRef>
+          <a:fontRef idx="minor">
+            <a:schemeClr val="lt1"/>
+          </a:fontRef>
+        </p:style>
+        <p:txBody>
+          <a:bodyPr rtlCol="0" anchor="ctr"/>
+          <a:lstStyle/>
+          <a:p>
+            <a:pPr algn="ctr"/>
+            <a:endParaRPr lang="en-US"/>
+          </a:p>
+        </p:txBody>
+      </p:sp>
+      <p:sp>
+        <p:nvSpPr>
+          <p:cNvPr id="86" name="Freeform 85">
+            <a:extLst>
+              <a:ext uri="{FF2B5EF4-FFF2-40B4-BE49-F238E27FC236}">
+                <a16:creationId xmlns:a16="http://schemas.microsoft.com/office/drawing/2014/main" id="{A8D7ABA9-DAC9-25CA-0FA7-351542775AF5}"/>
+              </a:ext>
+            </a:extLst>
+          </p:cNvPr>
+          <p:cNvSpPr/>
+          <p:nvPr/>
+        </p:nvSpPr>
+        <p:spPr>
+          <a:xfrm>
+            <a:off x="7749665" y="1367732"/>
+            <a:ext cx="477413" cy="570774"/>
+          </a:xfrm>
+          <a:custGeom>
+            <a:avLst/>
+            <a:gdLst>
+              <a:gd name="connsiteX0" fmla="*/ 5168 w 477413"/>
+              <a:gd name="connsiteY0" fmla="*/ 564817 h 570774"/>
+              <a:gd name="connsiteX1" fmla="*/ 149792 w 477413"/>
+              <a:gd name="connsiteY1" fmla="*/ 564817 h 570774"/>
+              <a:gd name="connsiteX2" fmla="*/ 252429 w 477413"/>
+              <a:gd name="connsiteY2" fmla="*/ 532160 h 570774"/>
+              <a:gd name="connsiteX3" fmla="*/ 313078 w 477413"/>
+              <a:gd name="connsiteY3" fmla="*/ 448184 h 570774"/>
+              <a:gd name="connsiteX4" fmla="*/ 387723 w 477413"/>
+              <a:gd name="connsiteY4" fmla="*/ 373539 h 570774"/>
+              <a:gd name="connsiteX5" fmla="*/ 443707 w 477413"/>
+              <a:gd name="connsiteY5" fmla="*/ 354878 h 570774"/>
+              <a:gd name="connsiteX6" fmla="*/ 467033 w 477413"/>
+              <a:gd name="connsiteY6" fmla="*/ 242911 h 570774"/>
+              <a:gd name="connsiteX7" fmla="*/ 476364 w 477413"/>
+              <a:gd name="connsiteY7" fmla="*/ 130943 h 570774"/>
+              <a:gd name="connsiteX8" fmla="*/ 443707 w 477413"/>
+              <a:gd name="connsiteY8" fmla="*/ 37637 h 570774"/>
+              <a:gd name="connsiteX9" fmla="*/ 387723 w 477413"/>
+              <a:gd name="connsiteY9" fmla="*/ 315 h 570774"/>
+              <a:gd name="connsiteX10" fmla="*/ 341070 w 477413"/>
+              <a:gd name="connsiteY10" fmla="*/ 23641 h 570774"/>
+              <a:gd name="connsiteX11" fmla="*/ 289752 w 477413"/>
+              <a:gd name="connsiteY11" fmla="*/ 88955 h 570774"/>
+              <a:gd name="connsiteX12" fmla="*/ 266425 w 477413"/>
+              <a:gd name="connsiteY12" fmla="*/ 140274 h 570774"/>
+              <a:gd name="connsiteX13" fmla="*/ 205776 w 477413"/>
+              <a:gd name="connsiteY13" fmla="*/ 177596 h 570774"/>
+              <a:gd name="connsiteX14" fmla="*/ 131131 w 477413"/>
+              <a:gd name="connsiteY14" fmla="*/ 210253 h 570774"/>
+              <a:gd name="connsiteX15" fmla="*/ 61152 w 477413"/>
+              <a:gd name="connsiteY15" fmla="*/ 219584 h 570774"/>
+              <a:gd name="connsiteX16" fmla="*/ 14499 w 477413"/>
+              <a:gd name="connsiteY16" fmla="*/ 219584 h 570774"/>
+              <a:gd name="connsiteX17" fmla="*/ 51821 w 477413"/>
+              <a:gd name="connsiteY17" fmla="*/ 298894 h 570774"/>
+              <a:gd name="connsiteX18" fmla="*/ 51821 w 477413"/>
+              <a:gd name="connsiteY18" fmla="*/ 387535 h 570774"/>
+              <a:gd name="connsiteX19" fmla="*/ 51821 w 477413"/>
+              <a:gd name="connsiteY19" fmla="*/ 443519 h 570774"/>
+              <a:gd name="connsiteX20" fmla="*/ 33160 w 477413"/>
+              <a:gd name="connsiteY20" fmla="*/ 504168 h 570774"/>
+              <a:gd name="connsiteX21" fmla="*/ 5168 w 477413"/>
+              <a:gd name="connsiteY21" fmla="*/ 564817 h 570774"/>
+            </a:gdLst>
+            <a:ahLst/>
+            <a:cxnLst>
+              <a:cxn ang="0">
+                <a:pos x="connsiteX0" y="connsiteY0"/>
+              </a:cxn>
+              <a:cxn ang="0">
+                <a:pos x="connsiteX1" y="connsiteY1"/>
+              </a:cxn>
+              <a:cxn ang="0">
+                <a:pos x="connsiteX2" y="connsiteY2"/>
+              </a:cxn>
+              <a:cxn ang="0">
+                <a:pos x="connsiteX3" y="connsiteY3"/>
+              </a:cxn>
+              <a:cxn ang="0">
+                <a:pos x="connsiteX4" y="connsiteY4"/>
+              </a:cxn>
+              <a:cxn ang="0">
+                <a:pos x="connsiteX5" y="connsiteY5"/>
+              </a:cxn>
+              <a:cxn ang="0">
+                <a:pos x="connsiteX6" y="connsiteY6"/>
+              </a:cxn>
+              <a:cxn ang="0">
+                <a:pos x="connsiteX7" y="connsiteY7"/>
+              </a:cxn>
+              <a:cxn ang="0">
+                <a:pos x="connsiteX8" y="connsiteY8"/>
+              </a:cxn>
+              <a:cxn ang="0">
+                <a:pos x="connsiteX9" y="connsiteY9"/>
+              </a:cxn>
+              <a:cxn ang="0">
+                <a:pos x="connsiteX10" y="connsiteY10"/>
+              </a:cxn>
+              <a:cxn ang="0">
+                <a:pos x="connsiteX11" y="connsiteY11"/>
+              </a:cxn>
+              <a:cxn ang="0">
+                <a:pos x="connsiteX12" y="connsiteY12"/>
+              </a:cxn>
+              <a:cxn ang="0">
+                <a:pos x="connsiteX13" y="connsiteY13"/>
+              </a:cxn>
+              <a:cxn ang="0">
+                <a:pos x="connsiteX14" y="connsiteY14"/>
+              </a:cxn>
+              <a:cxn ang="0">
+                <a:pos x="connsiteX15" y="connsiteY15"/>
+              </a:cxn>
+              <a:cxn ang="0">
+                <a:pos x="connsiteX16" y="connsiteY16"/>
+              </a:cxn>
+              <a:cxn ang="0">
+                <a:pos x="connsiteX17" y="connsiteY17"/>
+              </a:cxn>
+              <a:cxn ang="0">
+                <a:pos x="connsiteX18" y="connsiteY18"/>
+              </a:cxn>
+              <a:cxn ang="0">
+                <a:pos x="connsiteX19" y="connsiteY19"/>
+              </a:cxn>
+              <a:cxn ang="0">
+                <a:pos x="connsiteX20" y="connsiteY20"/>
+              </a:cxn>
+              <a:cxn ang="0">
+                <a:pos x="connsiteX21" y="connsiteY21"/>
+              </a:cxn>
+            </a:cxnLst>
+            <a:rect l="l" t="t" r="r" b="b"/>
+            <a:pathLst>
+              <a:path w="477413" h="570774">
+                <a:moveTo>
+                  <a:pt x="5168" y="564817"/>
+                </a:moveTo>
+                <a:cubicBezTo>
+                  <a:pt x="24607" y="574925"/>
+                  <a:pt x="108582" y="570260"/>
+                  <a:pt x="149792" y="564817"/>
+                </a:cubicBezTo>
+                <a:cubicBezTo>
+                  <a:pt x="191002" y="559374"/>
+                  <a:pt x="225215" y="551599"/>
+                  <a:pt x="252429" y="532160"/>
+                </a:cubicBezTo>
+                <a:cubicBezTo>
+                  <a:pt x="279643" y="512721"/>
+                  <a:pt x="290529" y="474621"/>
+                  <a:pt x="313078" y="448184"/>
+                </a:cubicBezTo>
+                <a:cubicBezTo>
+                  <a:pt x="335627" y="421747"/>
+                  <a:pt x="365952" y="389090"/>
+                  <a:pt x="387723" y="373539"/>
+                </a:cubicBezTo>
+                <a:cubicBezTo>
+                  <a:pt x="409494" y="357988"/>
+                  <a:pt x="430489" y="376649"/>
+                  <a:pt x="443707" y="354878"/>
+                </a:cubicBezTo>
+                <a:cubicBezTo>
+                  <a:pt x="456925" y="333107"/>
+                  <a:pt x="461590" y="280233"/>
+                  <a:pt x="467033" y="242911"/>
+                </a:cubicBezTo>
+                <a:cubicBezTo>
+                  <a:pt x="472476" y="205589"/>
+                  <a:pt x="480252" y="165155"/>
+                  <a:pt x="476364" y="130943"/>
+                </a:cubicBezTo>
+                <a:cubicBezTo>
+                  <a:pt x="472476" y="96731"/>
+                  <a:pt x="458480" y="59408"/>
+                  <a:pt x="443707" y="37637"/>
+                </a:cubicBezTo>
+                <a:cubicBezTo>
+                  <a:pt x="428934" y="15866"/>
+                  <a:pt x="404829" y="2648"/>
+                  <a:pt x="387723" y="315"/>
+                </a:cubicBezTo>
+                <a:cubicBezTo>
+                  <a:pt x="370617" y="-2018"/>
+                  <a:pt x="357398" y="8868"/>
+                  <a:pt x="341070" y="23641"/>
+                </a:cubicBezTo>
+                <a:cubicBezTo>
+                  <a:pt x="324742" y="38414"/>
+                  <a:pt x="302193" y="69516"/>
+                  <a:pt x="289752" y="88955"/>
+                </a:cubicBezTo>
+                <a:cubicBezTo>
+                  <a:pt x="277311" y="108394"/>
+                  <a:pt x="280421" y="125500"/>
+                  <a:pt x="266425" y="140274"/>
+                </a:cubicBezTo>
+                <a:cubicBezTo>
+                  <a:pt x="252429" y="155047"/>
+                  <a:pt x="228325" y="165933"/>
+                  <a:pt x="205776" y="177596"/>
+                </a:cubicBezTo>
+                <a:cubicBezTo>
+                  <a:pt x="183227" y="189259"/>
+                  <a:pt x="155235" y="203255"/>
+                  <a:pt x="131131" y="210253"/>
+                </a:cubicBezTo>
+                <a:cubicBezTo>
+                  <a:pt x="107027" y="217251"/>
+                  <a:pt x="80591" y="218029"/>
+                  <a:pt x="61152" y="219584"/>
+                </a:cubicBezTo>
+                <a:cubicBezTo>
+                  <a:pt x="41713" y="221139"/>
+                  <a:pt x="16054" y="206366"/>
+                  <a:pt x="14499" y="219584"/>
+                </a:cubicBezTo>
+                <a:cubicBezTo>
+                  <a:pt x="12944" y="232802"/>
+                  <a:pt x="45601" y="270902"/>
+                  <a:pt x="51821" y="298894"/>
+                </a:cubicBezTo>
+                <a:cubicBezTo>
+                  <a:pt x="58041" y="326886"/>
+                  <a:pt x="51821" y="387535"/>
+                  <a:pt x="51821" y="387535"/>
+                </a:cubicBezTo>
+                <a:cubicBezTo>
+                  <a:pt x="51821" y="411639"/>
+                  <a:pt x="54931" y="424080"/>
+                  <a:pt x="51821" y="443519"/>
+                </a:cubicBezTo>
+                <a:cubicBezTo>
+                  <a:pt x="48711" y="462958"/>
+                  <a:pt x="39380" y="487840"/>
+                  <a:pt x="33160" y="504168"/>
+                </a:cubicBezTo>
+                <a:cubicBezTo>
+                  <a:pt x="26940" y="520496"/>
+                  <a:pt x="-14271" y="554709"/>
+                  <a:pt x="5168" y="564817"/>
+                </a:cubicBezTo>
+                <a:close/>
+              </a:path>
+            </a:pathLst>
+          </a:custGeom>
+          <a:solidFill>
+            <a:srgbClr val="C5D6DD">
+              <a:alpha val="47451"/>
+            </a:srgbClr>
+          </a:solidFill>
+          <a:ln>
+            <a:noFill/>
+          </a:ln>
+        </p:spPr>
+        <p:style>
+          <a:lnRef idx="2">
+            <a:schemeClr val="accent1">
+              <a:shade val="50000"/>
+            </a:schemeClr>
+          </a:lnRef>
+          <a:fillRef idx="1">
+            <a:schemeClr val="accent1"/>
+          </a:fillRef>
+          <a:effectRef idx="0">
+            <a:schemeClr val="accent1"/>
+          </a:effectRef>
+          <a:fontRef idx="minor">
+            <a:schemeClr val="lt1"/>
+          </a:fontRef>
+        </p:style>
+        <p:txBody>
+          <a:bodyPr rtlCol="0" anchor="ctr"/>
+          <a:lstStyle/>
+          <a:p>
+            <a:pPr algn="ctr"/>
+            <a:endParaRPr lang="en-US"/>
+          </a:p>
+        </p:txBody>
+      </p:sp>
+      <p:sp>
+        <p:nvSpPr>
+          <p:cNvPr id="87" name="Tekstvak 7">
+            <a:extLst>
+              <a:ext uri="{FF2B5EF4-FFF2-40B4-BE49-F238E27FC236}">
+                <a16:creationId xmlns:a16="http://schemas.microsoft.com/office/drawing/2014/main" id="{B849DAC8-A429-1D4E-F35D-727047F6A7D0}"/>
+              </a:ext>
+            </a:extLst>
+          </p:cNvPr>
+          <p:cNvSpPr txBox="1"/>
+          <p:nvPr/>
+        </p:nvSpPr>
+        <p:spPr>
+          <a:xfrm>
+            <a:off x="7390818" y="2032673"/>
+            <a:ext cx="1261884" cy="261610"/>
+          </a:xfrm>
+          <a:prstGeom prst="rect">
+            <a:avLst/>
+          </a:prstGeom>
+          <a:noFill/>
+        </p:spPr>
+        <p:txBody>
+          <a:bodyPr wrap="none" rtlCol="0">
+            <a:spAutoFit/>
+          </a:bodyPr>
+          <a:lstStyle/>
+          <a:p>
+            <a:r>
+              <a:rPr lang="en-US" sz="1100" dirty="0">
+                <a:latin typeface="Consolas" panose="020B0609020204030204" pitchFamily="49" charset="0"/>
+              </a:rPr>
+              <a:t>.</a:t>
+            </a:r>
+            <a:r>
+              <a:rPr lang="en-US" sz="1100" dirty="0" err="1">
+                <a:latin typeface="Consolas" panose="020B0609020204030204" pitchFamily="49" charset="0"/>
+              </a:rPr>
+              <a:t>sweepSketch</a:t>
+            </a:r>
+            <a:r>
+              <a:rPr lang="en-US" sz="1100" dirty="0">
+                <a:latin typeface="Consolas" panose="020B0609020204030204" pitchFamily="49" charset="0"/>
+              </a:rPr>
+              <a:t>()</a:t>
+            </a:r>
+            <a:endParaRPr lang="en-US" dirty="0">
+              <a:latin typeface="Consolas" panose="020B0609020204030204" pitchFamily="49" charset="0"/>
+            </a:endParaRPr>
+          </a:p>
+        </p:txBody>
+      </p:sp>
+      <p:sp>
+        <p:nvSpPr>
+          <p:cNvPr id="88" name="Rechthoek: afgeronde hoeken 1">
+            <a:extLst>
+              <a:ext uri="{FF2B5EF4-FFF2-40B4-BE49-F238E27FC236}">
+                <a16:creationId xmlns:a16="http://schemas.microsoft.com/office/drawing/2014/main" id="{9ACA5CBC-CDE9-EFB6-48BB-C6BF61BDAC06}"/>
+              </a:ext>
+            </a:extLst>
+          </p:cNvPr>
+          <p:cNvSpPr/>
+          <p:nvPr/>
+        </p:nvSpPr>
+        <p:spPr>
+          <a:xfrm>
+            <a:off x="9036572" y="1310190"/>
+            <a:ext cx="722299" cy="729984"/>
+          </a:xfrm>
+          <a:prstGeom prst="roundRect">
+            <a:avLst/>
+          </a:prstGeom>
+          <a:noFill/>
+          <a:ln>
+            <a:solidFill>
+              <a:schemeClr val="bg1">
+                <a:lumMod val="50000"/>
+              </a:schemeClr>
+            </a:solidFill>
+          </a:ln>
+        </p:spPr>
+        <p:style>
+          <a:lnRef idx="2">
+            <a:schemeClr val="accent1">
+              <a:shade val="50000"/>
+            </a:schemeClr>
+          </a:lnRef>
+          <a:fillRef idx="1">
+            <a:schemeClr val="accent1"/>
+          </a:fillRef>
+          <a:effectRef idx="0">
+            <a:schemeClr val="accent1"/>
+          </a:effectRef>
+          <a:fontRef idx="minor">
+            <a:schemeClr val="lt1"/>
+          </a:fontRef>
+        </p:style>
+        <p:txBody>
+          <a:bodyPr rtlCol="0" anchor="ctr"/>
+          <a:lstStyle/>
+          <a:p>
+            <a:pPr algn="ctr"/>
+            <a:endParaRPr lang="en-US"/>
+          </a:p>
+        </p:txBody>
+      </p:sp>
+      <p:sp>
+        <p:nvSpPr>
+          <p:cNvPr id="95" name="Tekstvak 7">
+            <a:extLst>
+              <a:ext uri="{FF2B5EF4-FFF2-40B4-BE49-F238E27FC236}">
+                <a16:creationId xmlns:a16="http://schemas.microsoft.com/office/drawing/2014/main" id="{11829A83-070A-28D1-41FC-A3DF40C20E4E}"/>
+              </a:ext>
+            </a:extLst>
+          </p:cNvPr>
+          <p:cNvSpPr txBox="1"/>
+          <p:nvPr/>
+        </p:nvSpPr>
+        <p:spPr>
+          <a:xfrm>
+            <a:off x="8848613" y="2030140"/>
+            <a:ext cx="1031051" cy="261610"/>
+          </a:xfrm>
+          <a:prstGeom prst="rect">
+            <a:avLst/>
+          </a:prstGeom>
+          <a:noFill/>
+        </p:spPr>
+        <p:txBody>
+          <a:bodyPr wrap="none" rtlCol="0">
+            <a:spAutoFit/>
+          </a:bodyPr>
+          <a:lstStyle/>
+          <a:p>
+            <a:r>
+              <a:rPr lang="en-US" sz="1100" dirty="0" err="1">
+                <a:latin typeface="Consolas" panose="020B0609020204030204" pitchFamily="49" charset="0"/>
+              </a:rPr>
+              <a:t>makeSolid</a:t>
+            </a:r>
+            <a:r>
+              <a:rPr lang="en-US" sz="1100" dirty="0">
+                <a:latin typeface="Consolas" panose="020B0609020204030204" pitchFamily="49" charset="0"/>
+              </a:rPr>
+              <a:t>()</a:t>
+            </a:r>
+            <a:endParaRPr lang="en-US" dirty="0">
+              <a:latin typeface="Consolas" panose="020B0609020204030204" pitchFamily="49" charset="0"/>
+            </a:endParaRPr>
+          </a:p>
+        </p:txBody>
+      </p:sp>
+      <p:grpSp>
+        <p:nvGrpSpPr>
+          <p:cNvPr id="100" name="Group 99">
+            <a:extLst>
+              <a:ext uri="{FF2B5EF4-FFF2-40B4-BE49-F238E27FC236}">
+                <a16:creationId xmlns:a16="http://schemas.microsoft.com/office/drawing/2014/main" id="{AD8FF43F-3D22-46A2-3B87-B40371A78DA6}"/>
+              </a:ext>
+            </a:extLst>
+          </p:cNvPr>
+          <p:cNvGrpSpPr/>
+          <p:nvPr/>
+        </p:nvGrpSpPr>
+        <p:grpSpPr>
+          <a:xfrm>
+            <a:off x="9143772" y="1547454"/>
+            <a:ext cx="534634" cy="316990"/>
+            <a:chOff x="9089893" y="1556249"/>
+            <a:chExt cx="613365" cy="364387"/>
+          </a:xfrm>
+        </p:grpSpPr>
+        <p:sp>
+          <p:nvSpPr>
+            <p:cNvPr id="96" name="Trapezoid 95">
+              <a:extLst>
+                <a:ext uri="{FF2B5EF4-FFF2-40B4-BE49-F238E27FC236}">
+                  <a16:creationId xmlns:a16="http://schemas.microsoft.com/office/drawing/2014/main" id="{AE09AFE0-BAC9-9769-3ABB-91C50E5F1F5B}"/>
+                </a:ext>
+              </a:extLst>
+            </p:cNvPr>
+            <p:cNvSpPr/>
+            <p:nvPr/>
+          </p:nvSpPr>
+          <p:spPr>
+            <a:xfrm rot="20200824">
+              <a:off x="9322937" y="1627564"/>
+              <a:ext cx="380321" cy="265531"/>
+            </a:xfrm>
+            <a:prstGeom prst="trapezoid">
+              <a:avLst>
+                <a:gd name="adj" fmla="val 43582"/>
+              </a:avLst>
+            </a:prstGeom>
+            <a:solidFill>
+              <a:srgbClr val="C5D6DD"/>
+            </a:solidFill>
+            <a:ln w="28575">
+              <a:solidFill>
+                <a:schemeClr val="tx1"/>
+              </a:solidFill>
+            </a:ln>
+          </p:spPr>
+          <p:style>
+            <a:lnRef idx="2">
+              <a:schemeClr val="accent1">
+                <a:shade val="50000"/>
+              </a:schemeClr>
+            </a:lnRef>
+            <a:fillRef idx="1">
+              <a:schemeClr val="accent1"/>
+            </a:fillRef>
+            <a:effectRef idx="0">
+              <a:schemeClr val="accent1"/>
+            </a:effectRef>
+            <a:fontRef idx="minor">
+              <a:schemeClr val="lt1"/>
+            </a:fontRef>
+          </p:style>
+          <p:txBody>
+            <a:bodyPr rtlCol="0" anchor="ctr"/>
+            <a:lstStyle/>
+            <a:p>
+              <a:pPr algn="ctr"/>
+              <a:endParaRPr lang="en-US"/>
+            </a:p>
+          </p:txBody>
+        </p:sp>
+        <p:sp>
+          <p:nvSpPr>
+            <p:cNvPr id="97" name="Trapezoid 96">
+              <a:extLst>
+                <a:ext uri="{FF2B5EF4-FFF2-40B4-BE49-F238E27FC236}">
+                  <a16:creationId xmlns:a16="http://schemas.microsoft.com/office/drawing/2014/main" id="{77797FDE-77CC-F6EE-69B7-19643DD30605}"/>
+                </a:ext>
+              </a:extLst>
+            </p:cNvPr>
+            <p:cNvSpPr/>
+            <p:nvPr/>
+          </p:nvSpPr>
+          <p:spPr>
+            <a:xfrm rot="958402">
+              <a:off x="9089893" y="1655105"/>
+              <a:ext cx="303245" cy="265531"/>
+            </a:xfrm>
+            <a:prstGeom prst="trapezoid">
+              <a:avLst/>
+            </a:prstGeom>
+            <a:solidFill>
+              <a:srgbClr val="C5D6DD"/>
+            </a:solidFill>
+            <a:ln w="28575">
+              <a:solidFill>
+                <a:schemeClr val="tx1"/>
+              </a:solidFill>
+            </a:ln>
+          </p:spPr>
+          <p:style>
+            <a:lnRef idx="2">
+              <a:schemeClr val="accent1">
+                <a:shade val="50000"/>
+              </a:schemeClr>
+            </a:lnRef>
+            <a:fillRef idx="1">
+              <a:schemeClr val="accent1"/>
+            </a:fillRef>
+            <a:effectRef idx="0">
+              <a:schemeClr val="accent1"/>
+            </a:effectRef>
+            <a:fontRef idx="minor">
+              <a:schemeClr val="lt1"/>
+            </a:fontRef>
+          </p:style>
+          <p:txBody>
+            <a:bodyPr rtlCol="0" anchor="ctr"/>
+            <a:lstStyle/>
+            <a:p>
+              <a:pPr algn="ctr"/>
+              <a:endParaRPr lang="en-US"/>
+            </a:p>
+          </p:txBody>
+        </p:sp>
+        <p:sp>
+          <p:nvSpPr>
+            <p:cNvPr id="98" name="Parallelogram 97">
+              <a:extLst>
+                <a:ext uri="{FF2B5EF4-FFF2-40B4-BE49-F238E27FC236}">
+                  <a16:creationId xmlns:a16="http://schemas.microsoft.com/office/drawing/2014/main" id="{D3404ADF-EFD3-D98A-7D44-2B75D564492A}"/>
+                </a:ext>
+              </a:extLst>
+            </p:cNvPr>
+            <p:cNvSpPr/>
+            <p:nvPr/>
+          </p:nvSpPr>
+          <p:spPr>
+            <a:xfrm rot="953901">
+              <a:off x="9225367" y="1556249"/>
+              <a:ext cx="249899" cy="78311"/>
+            </a:xfrm>
+            <a:prstGeom prst="parallelogram">
+              <a:avLst>
+                <a:gd name="adj" fmla="val 118841"/>
+              </a:avLst>
+            </a:prstGeom>
+            <a:solidFill>
+              <a:srgbClr val="C5D6DD"/>
+            </a:solidFill>
+            <a:ln w="28575">
+              <a:solidFill>
+                <a:schemeClr val="tx1"/>
+              </a:solidFill>
+            </a:ln>
+          </p:spPr>
+          <p:style>
+            <a:lnRef idx="2">
+              <a:schemeClr val="accent1">
+                <a:shade val="50000"/>
+              </a:schemeClr>
+            </a:lnRef>
+            <a:fillRef idx="1">
+              <a:schemeClr val="accent1"/>
+            </a:fillRef>
+            <a:effectRef idx="0">
+              <a:schemeClr val="accent1"/>
+            </a:effectRef>
+            <a:fontRef idx="minor">
+              <a:schemeClr val="lt1"/>
+            </a:fontRef>
+          </p:style>
+          <p:txBody>
+            <a:bodyPr rtlCol="0" anchor="ctr"/>
+            <a:lstStyle/>
+            <a:p>
+              <a:pPr algn="ctr"/>
+              <a:endParaRPr lang="en-US"/>
+            </a:p>
+          </p:txBody>
+        </p:sp>
+      </p:grpSp>
+    </p:spTree>
+    <p:extLst>
+      <p:ext uri="{BB962C8B-B14F-4D97-AF65-F5344CB8AC3E}">
+        <p14:creationId xmlns:p14="http://schemas.microsoft.com/office/powerpoint/2010/main" val="2639424350"/>
+      </p:ext>
+    </p:extLst>
+  </p:cSld>
+  <p:clrMapOvr>
+    <a:masterClrMapping/>
+  </p:clrMapOvr>
+</p:sld>
+</file>
+
 <file path=ppt/theme/theme1.xml><?xml version="1.0" encoding="utf-8"?>
 <a:theme xmlns:a="http://schemas.openxmlformats.org/drawingml/2006/main" name="Kantoorthema">
   <a:themeElements>
